--- a/Project_ML.pptx
+++ b/Project_ML.pptx
@@ -120,18 +120,6 @@
     </p:ext>
   </p:extLst>
 </p:presentation>
-</file>
-
-<file path=ppt/revisionInfo.xml><?xml version="1.0" encoding="utf-8"?>
-<p1510:revInfo xmlns:a="http://schemas.openxmlformats.org/drawingml/2006/main" xmlns:r="http://schemas.openxmlformats.org/officeDocument/2006/relationships" xmlns:p1510="http://schemas.microsoft.com/office/powerpoint/2015/10/main">
-  <p1510:revLst>
-    <p1510:client id="{1120B836-56D0-97DC-068F-01B3A795833D}" v="107" dt="2025-04-28T10:32:37.732"/>
-    <p1510:client id="{22C22A61-C23B-4AFE-81E6-4E7076213851}" v="1" dt="2025-04-28T10:44:04.838"/>
-    <p1510:client id="{41ED53A8-5329-C747-A241-46CEB6D4E255}" v="58" dt="2025-04-29T04:53:52.575"/>
-    <p1510:client id="{65706ED1-670B-4719-B8CB-BA21F8D40372}" v="31" dt="2025-04-29T05:33:41.586"/>
-    <p1510:client id="{9567BC2E-213D-4409-89B3-6A653ECA53D9}" v="15" dt="2025-04-29T08:24:08.978"/>
-  </p1510:revLst>
-</p1510:revInfo>
 </file>
 
 <file path=ppt/slideLayouts/slideLayout1.xml><?xml version="1.0" encoding="utf-8"?>
@@ -4209,91 +4197,334 @@
       </p:sp>
       <p:sp>
         <p:nvSpPr>
-          <p:cNvPr id="3" name="Content Placeholder 2">
+          <p:cNvPr id="5" name="Rectangle 2">
             <a:extLst>
               <a:ext uri="{FF2B5EF4-FFF2-40B4-BE49-F238E27FC236}">
-                <a16:creationId xmlns:a16="http://schemas.microsoft.com/office/drawing/2014/main" id="{5E6198D1-2392-A218-1A4C-10F40FCB8253}"/>
+                <a16:creationId xmlns:a16="http://schemas.microsoft.com/office/drawing/2014/main" id="{E9D9A227-D6D0-67B2-F7D4-3D676701B6C0}"/>
               </a:ext>
             </a:extLst>
           </p:cNvPr>
           <p:cNvSpPr>
-            <a:spLocks noGrp="1"/>
+            <a:spLocks noGrp="1" noChangeArrowheads="1"/>
           </p:cNvSpPr>
           <p:nvPr>
             <p:ph idx="1"/>
           </p:nvPr>
         </p:nvSpPr>
-        <p:spPr>
+        <p:spPr bwMode="auto">
           <a:xfrm>
-            <a:off x="838200" y="1929384"/>
-            <a:ext cx="10515600" cy="4251960"/>
+            <a:off x="669036" y="2029233"/>
+            <a:ext cx="9674443" cy="2677656"/>
           </a:xfrm>
+          <a:prstGeom prst="rect">
+            <a:avLst/>
+          </a:prstGeom>
+          <a:noFill/>
+          <a:ln>
+            <a:noFill/>
+          </a:ln>
+          <a:effectLst/>
+          <a:extLst>
+            <a:ext uri="{909E8E84-426E-40DD-AFC4-6F175D3DCCD1}">
+              <a14:hiddenFill xmlns:a14="http://schemas.microsoft.com/office/drawing/2010/main">
+                <a:solidFill>
+                  <a:schemeClr val="accent1"/>
+                </a:solidFill>
+              </a14:hiddenFill>
+            </a:ext>
+            <a:ext uri="{91240B29-F687-4F45-9708-019B960494DF}">
+              <a14:hiddenLine xmlns:a14="http://schemas.microsoft.com/office/drawing/2010/main" w="9525">
+                <a:solidFill>
+                  <a:schemeClr val="tx1"/>
+                </a:solidFill>
+                <a:miter lim="800000"/>
+                <a:headEnd/>
+                <a:tailEnd/>
+              </a14:hiddenLine>
+            </a:ext>
+            <a:ext uri="{AF507438-7753-43E0-B8FC-AC1667EBCBE1}">
+              <a14:hiddenEffects xmlns:a14="http://schemas.microsoft.com/office/drawing/2010/main">
+                <a:effectLst>
+                  <a:outerShdw dist="35921" dir="2700000" algn="ctr" rotWithShape="0">
+                    <a:schemeClr val="bg2"/>
+                  </a:outerShdw>
+                </a:effectLst>
+              </a14:hiddenEffects>
+            </a:ext>
+          </a:extLst>
         </p:spPr>
         <p:txBody>
-          <a:bodyPr vert="horz" lIns="91440" tIns="45720" rIns="91440" bIns="45720" rtlCol="0" anchor="t">
-            <a:normAutofit/>
+          <a:bodyPr vert="horz" wrap="none" lIns="91440" tIns="45720" rIns="91440" bIns="45720" numCol="1" anchor="ctr" anchorCtr="0" compatLnSpc="1">
+            <a:prstTxWarp prst="textNoShape">
+              <a:avLst/>
+            </a:prstTxWarp>
+            <a:spAutoFit/>
           </a:bodyPr>
           <a:lstStyle/>
           <a:p>
-            <a:pPr marL="0" indent="0">
-              <a:buNone/>
+            <a:pPr marL="0" marR="0" lvl="0" indent="0" algn="l" defTabSz="914400" rtl="0" eaLnBrk="0" fontAlgn="base" latinLnBrk="0" hangingPunct="0">
+              <a:lnSpc>
+                <a:spcPct val="100000"/>
+              </a:lnSpc>
+              <a:spcBef>
+                <a:spcPct val="0"/>
+              </a:spcBef>
+              <a:spcAft>
+                <a:spcPct val="0"/>
+              </a:spcAft>
+              <a:buClrTx/>
+              <a:buSzTx/>
+              <a:buFontTx/>
+              <a:buChar char="•"/>
+              <a:tabLst/>
             </a:pPr>
             <a:r>
-              <a:rPr lang="en-IN" sz="2200" dirty="0">
-                <a:latin typeface="Franklin Gothic Book"/>
+              <a:rPr kumimoji="0" lang="en-US" altLang="en-US" b="0" i="0" u="none" strike="noStrike" cap="none" normalizeH="0" baseline="0" dirty="0">
+                <a:ln>
+                  <a:noFill/>
+                </a:ln>
+                <a:solidFill>
+                  <a:schemeClr val="tx1"/>
+                </a:solidFill>
+                <a:effectLst/>
+                <a:latin typeface="Times New Roman" panose="02020603050405020304" pitchFamily="18" charset="0"/>
+                <a:cs typeface="Times New Roman" panose="02020603050405020304" pitchFamily="18" charset="0"/>
+                <a:hlinkClick r:id="rId2"/>
               </a:rPr>
-              <a:t>List and cite relevant sources, research papers, and articles that were instrumental in developing the proposed solution. This could include academic papers on bike demand prediction, machine learning algorithms, and best practices in data preprocessing and model evaluation.</a:t>
-            </a:r>
-            <a:endParaRPr lang="en-US" sz="2200">
-              <a:latin typeface="Aptos" panose="020B0004020202020204"/>
+              <a:t>https://scikit-learn.org</a:t>
+            </a:r>
+            <a:endParaRPr kumimoji="0" lang="en-US" altLang="en-US" b="0" i="0" u="none" strike="noStrike" cap="none" normalizeH="0" baseline="0" dirty="0">
+              <a:ln>
+                <a:noFill/>
+              </a:ln>
+              <a:solidFill>
+                <a:schemeClr val="tx1"/>
+              </a:solidFill>
+              <a:effectLst/>
+              <a:latin typeface="Times New Roman" panose="02020603050405020304" pitchFamily="18" charset="0"/>
+              <a:cs typeface="Times New Roman" panose="02020603050405020304" pitchFamily="18" charset="0"/>
             </a:endParaRPr>
           </a:p>
           <a:p>
-            <a:pPr marL="0" indent="0">
-              <a:buNone/>
+            <a:pPr marL="0" marR="0" lvl="0" indent="0" algn="l" defTabSz="914400" rtl="0" eaLnBrk="0" fontAlgn="base" latinLnBrk="0" hangingPunct="0">
+              <a:lnSpc>
+                <a:spcPct val="100000"/>
+              </a:lnSpc>
+              <a:spcBef>
+                <a:spcPct val="0"/>
+              </a:spcBef>
+              <a:spcAft>
+                <a:spcPct val="0"/>
+              </a:spcAft>
+              <a:buClrTx/>
+              <a:buSzTx/>
+              <a:buFontTx/>
+              <a:buChar char="•"/>
+              <a:tabLst/>
             </a:pPr>
             <a:r>
-              <a:rPr lang="en-IN" sz="2200" dirty="0">
-                <a:latin typeface="Franklin Gothic Book"/>
+              <a:rPr kumimoji="0" lang="en-US" altLang="en-US" b="0" i="0" u="none" strike="noStrike" cap="none" normalizeH="0" baseline="0" dirty="0">
+                <a:ln>
+                  <a:noFill/>
+                </a:ln>
+                <a:solidFill>
+                  <a:schemeClr val="tx1"/>
+                </a:solidFill>
+                <a:effectLst/>
+                <a:latin typeface="Times New Roman" panose="02020603050405020304" pitchFamily="18" charset="0"/>
+                <a:cs typeface="Times New Roman" panose="02020603050405020304" pitchFamily="18" charset="0"/>
+                <a:hlinkClick r:id="rId3"/>
               </a:rPr>
-              <a:t>GitHub Link:</a:t>
-            </a:r>
-            <a:r>
-              <a:rPr lang="en-IN" sz="2200" dirty="0">
+              <a:t>https://pypi.org/project/SpeechRecognition</a:t>
+            </a:r>
+            <a:endParaRPr kumimoji="0" lang="en-US" altLang="en-US" b="0" i="0" u="none" strike="noStrike" cap="none" normalizeH="0" baseline="0" dirty="0">
+              <a:ln>
+                <a:noFill/>
+              </a:ln>
+              <a:solidFill>
+                <a:schemeClr val="tx1"/>
+              </a:solidFill>
+              <a:effectLst/>
+              <a:latin typeface="Times New Roman" panose="02020603050405020304" pitchFamily="18" charset="0"/>
+              <a:cs typeface="Times New Roman" panose="02020603050405020304" pitchFamily="18" charset="0"/>
+            </a:endParaRPr>
+          </a:p>
+          <a:p>
+            <a:pPr marL="0" marR="0" lvl="0" indent="0" algn="l" defTabSz="914400" rtl="0" eaLnBrk="0" fontAlgn="base" latinLnBrk="0" hangingPunct="0">
+              <a:lnSpc>
+                <a:spcPct val="100000"/>
+              </a:lnSpc>
+              <a:spcBef>
+                <a:spcPct val="0"/>
+              </a:spcBef>
+              <a:spcAft>
+                <a:spcPct val="0"/>
+              </a:spcAft>
+              <a:buClrTx/>
+              <a:buSzTx/>
+              <a:buFontTx/>
+              <a:buChar char="•"/>
+              <a:tabLst/>
+            </a:pPr>
+            <a:r>
+              <a:rPr kumimoji="0" lang="en-US" altLang="en-US" b="0" i="0" u="none" strike="noStrike" cap="none" normalizeH="0" baseline="0" dirty="0">
+                <a:ln>
+                  <a:noFill/>
+                </a:ln>
                 <a:solidFill>
-                  <a:srgbClr val="0070C0"/>
+                  <a:schemeClr val="tx1"/>
                 </a:solidFill>
-                <a:latin typeface="Franklin Gothic Book"/>
+                <a:effectLst/>
+                <a:latin typeface="Times New Roman" panose="02020603050405020304" pitchFamily="18" charset="0"/>
+                <a:cs typeface="Times New Roman" panose="02020603050405020304" pitchFamily="18" charset="0"/>
+                <a:hlinkClick r:id="rId4"/>
               </a:rPr>
-              <a:t> </a:t>
-            </a:r>
-            <a:r>
-              <a:rPr lang="en-IN" sz="2200" u="sng" dirty="0">
+              <a:t>https://gradio.app</a:t>
+            </a:r>
+            <a:endParaRPr kumimoji="0" lang="en-US" altLang="en-US" b="0" i="0" u="none" strike="noStrike" cap="none" normalizeH="0" baseline="0" dirty="0">
+              <a:ln>
+                <a:noFill/>
+              </a:ln>
+              <a:solidFill>
+                <a:schemeClr val="tx1"/>
+              </a:solidFill>
+              <a:effectLst/>
+              <a:latin typeface="Times New Roman" panose="02020603050405020304" pitchFamily="18" charset="0"/>
+              <a:cs typeface="Times New Roman" panose="02020603050405020304" pitchFamily="18" charset="0"/>
+            </a:endParaRPr>
+          </a:p>
+          <a:p>
+            <a:pPr marL="0" marR="0" lvl="0" indent="0" algn="l" defTabSz="914400" rtl="0" eaLnBrk="0" fontAlgn="base" latinLnBrk="0" hangingPunct="0">
+              <a:lnSpc>
+                <a:spcPct val="100000"/>
+              </a:lnSpc>
+              <a:spcBef>
+                <a:spcPct val="0"/>
+              </a:spcBef>
+              <a:spcAft>
+                <a:spcPct val="0"/>
+              </a:spcAft>
+              <a:buClrTx/>
+              <a:buSzTx/>
+              <a:buFontTx/>
+              <a:buChar char="•"/>
+              <a:tabLst/>
+            </a:pPr>
+            <a:r>
+              <a:rPr kumimoji="0" lang="en-US" altLang="en-US" b="0" i="0" u="none" strike="noStrike" cap="none" normalizeH="0" baseline="0" dirty="0">
+                <a:ln>
+                  <a:noFill/>
+                </a:ln>
                 <a:solidFill>
-                  <a:srgbClr val="0070C0"/>
+                  <a:schemeClr val="tx1"/>
                 </a:solidFill>
-                <a:latin typeface="Franklin Gothic Book"/>
+                <a:effectLst/>
+                <a:latin typeface="Times New Roman" panose="02020603050405020304" pitchFamily="18" charset="0"/>
+                <a:cs typeface="Times New Roman" panose="02020603050405020304" pitchFamily="18" charset="0"/>
               </a:rPr>
-              <a:t>Link</a:t>
-            </a:r>
-          </a:p>
-          <a:p>
-            <a:pPr marL="0" indent="0">
-              <a:buNone/>
+              <a:t>“Emotion detection using ML” – Research articles on </a:t>
+            </a:r>
+            <a:r>
+              <a:rPr kumimoji="0" lang="en-US" altLang="en-US" b="0" i="0" u="none" strike="noStrike" cap="none" normalizeH="0" baseline="0" dirty="0" err="1">
+                <a:ln>
+                  <a:noFill/>
+                </a:ln>
+                <a:solidFill>
+                  <a:schemeClr val="tx1"/>
+                </a:solidFill>
+                <a:effectLst/>
+                <a:latin typeface="Times New Roman" panose="02020603050405020304" pitchFamily="18" charset="0"/>
+                <a:cs typeface="Times New Roman" panose="02020603050405020304" pitchFamily="18" charset="0"/>
+              </a:rPr>
+              <a:t>arXiv</a:t>
+            </a:r>
+            <a:endParaRPr kumimoji="0" lang="en-US" altLang="en-US" b="0" i="0" u="none" strike="noStrike" cap="none" normalizeH="0" baseline="0" dirty="0">
+              <a:ln>
+                <a:noFill/>
+              </a:ln>
+              <a:solidFill>
+                <a:schemeClr val="tx1"/>
+              </a:solidFill>
+              <a:effectLst/>
+              <a:latin typeface="Times New Roman" panose="02020603050405020304" pitchFamily="18" charset="0"/>
+              <a:cs typeface="Times New Roman" panose="02020603050405020304" pitchFamily="18" charset="0"/>
+            </a:endParaRPr>
+          </a:p>
+          <a:p>
+            <a:pPr marL="0" marR="0" lvl="0" indent="0" algn="l" defTabSz="914400" rtl="0" eaLnBrk="0" fontAlgn="base" latinLnBrk="0" hangingPunct="0">
+              <a:lnSpc>
+                <a:spcPct val="100000"/>
+              </a:lnSpc>
+              <a:spcBef>
+                <a:spcPct val="0"/>
+              </a:spcBef>
+              <a:spcAft>
+                <a:spcPct val="0"/>
+              </a:spcAft>
+              <a:buClrTx/>
+              <a:buSzTx/>
+              <a:buFontTx/>
+              <a:buChar char="•"/>
+              <a:tabLst/>
             </a:pPr>
-            <a:endParaRPr lang="en-IN" sz="2200" u="sng" dirty="0">
+            <a:endParaRPr kumimoji="0" lang="en-US" altLang="en-US" b="0" i="0" u="none" strike="noStrike" cap="none" normalizeH="0" baseline="0" dirty="0">
+              <a:ln>
+                <a:noFill/>
+              </a:ln>
               <a:solidFill>
-                <a:srgbClr val="0070C0"/>
+                <a:schemeClr val="tx1"/>
               </a:solidFill>
-              <a:latin typeface="Franklin Gothic Book"/>
+              <a:effectLst/>
+              <a:latin typeface="Times New Roman" panose="02020603050405020304" pitchFamily="18" charset="0"/>
+              <a:cs typeface="Times New Roman" panose="02020603050405020304" pitchFamily="18" charset="0"/>
             </a:endParaRPr>
           </a:p>
           <a:p>
-            <a:pPr marL="0" indent="0">
-              <a:buNone/>
+            <a:pPr marL="0" lvl="0" indent="0" eaLnBrk="0" fontAlgn="base" hangingPunct="0">
+              <a:lnSpc>
+                <a:spcPct val="100000"/>
+              </a:lnSpc>
+              <a:spcBef>
+                <a:spcPct val="0"/>
+              </a:spcBef>
+              <a:spcAft>
+                <a:spcPct val="0"/>
+              </a:spcAft>
+              <a:buFontTx/>
+              <a:buChar char="•"/>
             </a:pPr>
-            <a:endParaRPr lang="en-IN" sz="2200" dirty="0">
-              <a:latin typeface="Franklin Gothic Book"/>
+            <a:r>
+              <a:rPr kumimoji="0" lang="en-US" altLang="en-US" b="0" i="0" u="none" strike="noStrike" cap="none" normalizeH="0" baseline="0" dirty="0">
+                <a:ln>
+                  <a:noFill/>
+                </a:ln>
+                <a:solidFill>
+                  <a:schemeClr val="tx1"/>
+                </a:solidFill>
+                <a:effectLst/>
+                <a:latin typeface="Times New Roman" panose="02020603050405020304" pitchFamily="18" charset="0"/>
+                <a:cs typeface="Times New Roman" panose="02020603050405020304" pitchFamily="18" charset="0"/>
+              </a:rPr>
+              <a:t>GitHub link: </a:t>
+            </a:r>
+            <a:r>
+              <a:rPr lang="en-US" altLang="en-US" dirty="0">
+                <a:latin typeface="Times New Roman" panose="02020603050405020304" pitchFamily="18" charset="0"/>
+                <a:cs typeface="Times New Roman" panose="02020603050405020304" pitchFamily="18" charset="0"/>
+                <a:hlinkClick r:id="rId5"/>
+              </a:rPr>
+              <a:t>https://github.com/Rakshan1407/Edunet_Project.git</a:t>
+            </a:r>
+            <a:endParaRPr kumimoji="0" lang="en-US" altLang="en-US" b="0" i="0" u="none" strike="noStrike" cap="none" normalizeH="0" baseline="0" dirty="0">
+              <a:ln>
+                <a:noFill/>
+              </a:ln>
+              <a:solidFill>
+                <a:schemeClr val="tx1"/>
+              </a:solidFill>
+              <a:effectLst/>
+              <a:latin typeface="Times New Roman" panose="02020603050405020304" pitchFamily="18" charset="0"/>
+              <a:cs typeface="Times New Roman" panose="02020603050405020304" pitchFamily="18" charset="0"/>
             </a:endParaRPr>
           </a:p>
         </p:txBody>
@@ -5647,18 +5878,11 @@
               </a:spcAft>
             </a:pPr>
             <a:r>
-              <a:rPr lang="en-US" sz="2200" b="1">
-                <a:latin typeface="Arial"/>
-                <a:cs typeface="Arial"/>
+              <a:rPr lang="en-US" sz="2200" b="1" dirty="0">
+                <a:latin typeface="Times New Roman" panose="02020603050405020304" pitchFamily="18" charset="0"/>
+                <a:cs typeface="Times New Roman" panose="02020603050405020304" pitchFamily="18" charset="0"/>
               </a:rPr>
               <a:t>Problem Statement </a:t>
-            </a:r>
-            <a:r>
-              <a:rPr lang="en-US" sz="2200">
-                <a:latin typeface="Arial"/>
-                <a:cs typeface="Arial"/>
-              </a:rPr>
-              <a:t>(Should not include solution)</a:t>
             </a:r>
           </a:p>
           <a:p>
@@ -5671,15 +5895,15 @@
               </a:spcAft>
             </a:pPr>
             <a:r>
-              <a:rPr lang="en-US" sz="2200" b="1">
-                <a:latin typeface="Arial"/>
-                <a:cs typeface="Arial"/>
+              <a:rPr lang="en-US" sz="2200" b="1" dirty="0">
+                <a:latin typeface="Times New Roman" panose="02020603050405020304" pitchFamily="18" charset="0"/>
+                <a:cs typeface="Times New Roman" panose="02020603050405020304" pitchFamily="18" charset="0"/>
               </a:rPr>
               <a:t>Proposed System/Solution</a:t>
             </a:r>
-            <a:endParaRPr lang="en-US" sz="2200">
-              <a:latin typeface="Arial"/>
-              <a:cs typeface="Arial"/>
+            <a:endParaRPr lang="en-US" sz="2200" dirty="0">
+              <a:latin typeface="Times New Roman" panose="02020603050405020304" pitchFamily="18" charset="0"/>
+              <a:cs typeface="Times New Roman" panose="02020603050405020304" pitchFamily="18" charset="0"/>
             </a:endParaRPr>
           </a:p>
           <a:p>
@@ -5692,18 +5916,18 @@
               </a:spcAft>
             </a:pPr>
             <a:r>
-              <a:rPr lang="en-US" sz="2200" b="1">
-                <a:latin typeface="Arial"/>
-                <a:cs typeface="Arial"/>
+              <a:rPr lang="en-US" sz="2200" b="1" dirty="0">
+                <a:latin typeface="Times New Roman" panose="02020603050405020304" pitchFamily="18" charset="0"/>
+                <a:cs typeface="Times New Roman" panose="02020603050405020304" pitchFamily="18" charset="0"/>
               </a:rPr>
               <a:t>System Development Approach </a:t>
             </a:r>
             <a:r>
-              <a:rPr lang="en-US" sz="2200">
-                <a:latin typeface="Arial"/>
-                <a:cs typeface="Arial"/>
+              <a:rPr lang="en-US" sz="2200" dirty="0">
+                <a:latin typeface="Times New Roman" panose="02020603050405020304" pitchFamily="18" charset="0"/>
+                <a:cs typeface="Times New Roman" panose="02020603050405020304" pitchFamily="18" charset="0"/>
               </a:rPr>
-              <a:t>(Technology Used) </a:t>
+              <a:t> </a:t>
             </a:r>
           </a:p>
           <a:p>
@@ -5716,15 +5940,15 @@
               </a:spcAft>
             </a:pPr>
             <a:r>
-              <a:rPr lang="en-US" sz="2200" b="1">
-                <a:latin typeface="Arial"/>
-                <a:cs typeface="Arial"/>
+              <a:rPr lang="en-US" sz="2200" b="1" dirty="0">
+                <a:latin typeface="Times New Roman" panose="02020603050405020304" pitchFamily="18" charset="0"/>
+                <a:cs typeface="Times New Roman" panose="02020603050405020304" pitchFamily="18" charset="0"/>
               </a:rPr>
               <a:t>Algorithm &amp; Deployment  </a:t>
             </a:r>
-            <a:endParaRPr lang="en-US" sz="2200">
-              <a:latin typeface="Arial"/>
-              <a:cs typeface="Arial"/>
+            <a:endParaRPr lang="en-US" sz="2200" dirty="0">
+              <a:latin typeface="Times New Roman" panose="02020603050405020304" pitchFamily="18" charset="0"/>
+              <a:cs typeface="Times New Roman" panose="02020603050405020304" pitchFamily="18" charset="0"/>
             </a:endParaRPr>
           </a:p>
           <a:p>
@@ -5737,15 +5961,15 @@
               </a:spcAft>
             </a:pPr>
             <a:r>
-              <a:rPr lang="en-US" sz="2200" b="1">
-                <a:latin typeface="Arial"/>
-                <a:cs typeface="Arial"/>
+              <a:rPr lang="en-US" sz="2200" b="1" dirty="0">
+                <a:latin typeface="Times New Roman" panose="02020603050405020304" pitchFamily="18" charset="0"/>
+                <a:cs typeface="Times New Roman" panose="02020603050405020304" pitchFamily="18" charset="0"/>
               </a:rPr>
-              <a:t>Result (Output Image)</a:t>
-            </a:r>
-            <a:endParaRPr lang="en-US" sz="2200">
-              <a:latin typeface="Arial"/>
-              <a:cs typeface="Arial"/>
+              <a:t>Result </a:t>
+            </a:r>
+            <a:endParaRPr lang="en-US" sz="2200" dirty="0">
+              <a:latin typeface="Times New Roman" panose="02020603050405020304" pitchFamily="18" charset="0"/>
+              <a:cs typeface="Times New Roman" panose="02020603050405020304" pitchFamily="18" charset="0"/>
             </a:endParaRPr>
           </a:p>
           <a:p>
@@ -5758,15 +5982,15 @@
               </a:spcAft>
             </a:pPr>
             <a:r>
-              <a:rPr lang="en-US" sz="2200" b="1">
-                <a:latin typeface="Arial"/>
-                <a:cs typeface="Arial"/>
+              <a:rPr lang="en-US" sz="2200" b="1" dirty="0">
+                <a:latin typeface="Times New Roman" panose="02020603050405020304" pitchFamily="18" charset="0"/>
+                <a:cs typeface="Times New Roman" panose="02020603050405020304" pitchFamily="18" charset="0"/>
               </a:rPr>
               <a:t>Conclusion</a:t>
             </a:r>
-            <a:endParaRPr lang="en-US" sz="2200">
-              <a:latin typeface="Arial"/>
-              <a:cs typeface="Arial"/>
+            <a:endParaRPr lang="en-US" sz="2200" dirty="0">
+              <a:latin typeface="Times New Roman" panose="02020603050405020304" pitchFamily="18" charset="0"/>
+              <a:cs typeface="Times New Roman" panose="02020603050405020304" pitchFamily="18" charset="0"/>
             </a:endParaRPr>
           </a:p>
           <a:p>
@@ -5779,15 +6003,15 @@
               </a:spcAft>
             </a:pPr>
             <a:r>
-              <a:rPr lang="en-US" sz="2200" b="1">
-                <a:latin typeface="Arial"/>
-                <a:cs typeface="Arial"/>
+              <a:rPr lang="en-US" sz="2200" b="1" dirty="0">
+                <a:latin typeface="Times New Roman" panose="02020603050405020304" pitchFamily="18" charset="0"/>
+                <a:cs typeface="Times New Roman" panose="02020603050405020304" pitchFamily="18" charset="0"/>
               </a:rPr>
               <a:t>Future Scope</a:t>
             </a:r>
-            <a:endParaRPr lang="en-US" sz="2200">
-              <a:latin typeface="Arial"/>
-              <a:cs typeface="Arial"/>
+            <a:endParaRPr lang="en-US" sz="2200" dirty="0">
+              <a:latin typeface="Times New Roman" panose="02020603050405020304" pitchFamily="18" charset="0"/>
+              <a:cs typeface="Times New Roman" panose="02020603050405020304" pitchFamily="18" charset="0"/>
             </a:endParaRPr>
           </a:p>
           <a:p>
@@ -5800,19 +6024,19 @@
               </a:spcAft>
             </a:pPr>
             <a:r>
-              <a:rPr lang="en-US" sz="2200" b="1">
-                <a:latin typeface="Arial"/>
-                <a:cs typeface="Arial"/>
+              <a:rPr lang="en-US" sz="2200" b="1" dirty="0">
+                <a:latin typeface="Times New Roman" panose="02020603050405020304" pitchFamily="18" charset="0"/>
+                <a:cs typeface="Times New Roman" panose="02020603050405020304" pitchFamily="18" charset="0"/>
               </a:rPr>
               <a:t>References</a:t>
             </a:r>
-            <a:endParaRPr lang="en-US" sz="2200">
-              <a:latin typeface="Arial"/>
-              <a:cs typeface="Arial"/>
+            <a:endParaRPr lang="en-US" sz="2200" dirty="0">
+              <a:latin typeface="Times New Roman" panose="02020603050405020304" pitchFamily="18" charset="0"/>
+              <a:cs typeface="Times New Roman" panose="02020603050405020304" pitchFamily="18" charset="0"/>
             </a:endParaRPr>
           </a:p>
           <a:p>
-            <a:endParaRPr lang="en-GB" sz="2200">
+            <a:endParaRPr lang="en-GB" sz="2200" dirty="0">
               <a:latin typeface="Aptos" panose="020B0004020202020204"/>
               <a:cs typeface="Arial"/>
             </a:endParaRPr>
@@ -6626,12 +6850,30 @@
               <a:buNone/>
             </a:pPr>
             <a:r>
-              <a:rPr lang="en-IN" sz="2200">
-                <a:latin typeface="Franklin Gothic Book"/>
+              <a:rPr lang="en-US" dirty="0">
+                <a:latin typeface="Times New Roman" panose="02020603050405020304" pitchFamily="18" charset="0"/>
+                <a:cs typeface="Times New Roman" panose="02020603050405020304" pitchFamily="18" charset="0"/>
               </a:rPr>
-              <a:t>Example: Currently Rental bikes are introduced in many urban cities for the enhancement of mobility comfort. It is important to make the rental bike available and accessible to the public at the right time as it lessens the waiting time. Eventually, providing the city with a stable supply of rental bikes becomes a major concern. The crucial part is the prediction of bike count required at each hour for the stable supply of rental bikes.</a:t>
-            </a:r>
-            <a:endParaRPr lang="en-US" sz="2200"/>
+              <a:t>Today, many applications require understanding human emotions — such as mental health apps, virtual assistants, or customer feedback analyzers. However, most existing systems process only text or only voice. This leads to inaccurate or limited emotion detection. A solution that supports </a:t>
+            </a:r>
+            <a:r>
+              <a:rPr lang="en-US" b="1" dirty="0">
+                <a:latin typeface="Times New Roman" panose="02020603050405020304" pitchFamily="18" charset="0"/>
+                <a:cs typeface="Times New Roman" panose="02020603050405020304" pitchFamily="18" charset="0"/>
+              </a:rPr>
+              <a:t>both text and voice inputs</a:t>
+            </a:r>
+            <a:r>
+              <a:rPr lang="en-US" dirty="0">
+                <a:latin typeface="Times New Roman" panose="02020603050405020304" pitchFamily="18" charset="0"/>
+                <a:cs typeface="Times New Roman" panose="02020603050405020304" pitchFamily="18" charset="0"/>
+              </a:rPr>
+              <a:t> with intelligent emotion classification is needed for better human-computer interaction.</a:t>
+            </a:r>
+            <a:endParaRPr lang="en-US" sz="2400" dirty="0">
+              <a:latin typeface="Times New Roman" panose="02020603050405020304" pitchFamily="18" charset="0"/>
+              <a:cs typeface="Times New Roman" panose="02020603050405020304" pitchFamily="18" charset="0"/>
+            </a:endParaRPr>
           </a:p>
         </p:txBody>
       </p:sp>
@@ -7438,423 +7680,91 @@
           </a:bodyPr>
           <a:lstStyle/>
           <a:p>
-            <a:pPr marL="305435" indent="-305435">
-              <a:spcBef>
-                <a:spcPct val="20000"/>
-              </a:spcBef>
-              <a:spcAft>
-                <a:spcPts val="600"/>
-              </a:spcAft>
-              <a:buFont typeface="Arial"/>
-              <a:buChar char="•"/>
+            <a:pPr marL="0" indent="0">
+              <a:buNone/>
             </a:pPr>
             <a:r>
-              <a:rPr lang="en-IN" sz="900" b="1">
-                <a:latin typeface="Calibri"/>
-                <a:ea typeface="Calibri"/>
-                <a:cs typeface="Calibri"/>
-              </a:rPr>
-              <a:t>The proposed system aims to address the challenge of predicting the required bike count at each hour to ensure a stable supply of rental bikes. This involves leveraging data analytics and machine learning techniques to forecast demand patterns accurately. The solution will consist of the following components:</a:t>
-            </a:r>
-            <a:endParaRPr lang="en-IN" sz="900">
-              <a:latin typeface="Calibri"/>
-              <a:ea typeface="Calibri"/>
-              <a:cs typeface="Calibri"/>
-            </a:endParaRPr>
-          </a:p>
-          <a:p>
-            <a:pPr marL="305435" indent="-305435">
-              <a:spcBef>
-                <a:spcPct val="20000"/>
-              </a:spcBef>
-              <a:spcAft>
-                <a:spcPts val="600"/>
-              </a:spcAft>
-              <a:buFont typeface="Arial"/>
-              <a:buChar char="•"/>
-            </a:pPr>
-            <a:r>
-              <a:rPr lang="en-IN" sz="900" b="1">
-                <a:latin typeface="Calibri"/>
-                <a:ea typeface="Calibri"/>
-                <a:cs typeface="Calibri"/>
-              </a:rPr>
-              <a:t>Data Collection:</a:t>
-            </a:r>
-            <a:endParaRPr lang="en-IN" sz="900">
-              <a:latin typeface="Calibri"/>
-              <a:ea typeface="Calibri"/>
-              <a:cs typeface="Calibri"/>
-            </a:endParaRPr>
-          </a:p>
-          <a:p>
-            <a:pPr marL="629920" lvl="1" indent="-305435">
-              <a:spcBef>
-                <a:spcPct val="20000"/>
-              </a:spcBef>
-              <a:spcAft>
-                <a:spcPts val="600"/>
-              </a:spcAft>
-              <a:buFont typeface="Arial"/>
-              <a:buChar char="•"/>
-            </a:pPr>
-            <a:r>
-              <a:rPr lang="en-IN" sz="900" b="1">
-                <a:latin typeface="Calibri"/>
-                <a:ea typeface="Calibri"/>
-                <a:cs typeface="Calibri"/>
-              </a:rPr>
-              <a:t>Gather historical data on bike rentals, including time, date, location, and other relevant factors.</a:t>
-            </a:r>
-            <a:endParaRPr lang="en-IN" sz="900">
-              <a:latin typeface="Calibri"/>
-              <a:ea typeface="Calibri"/>
-              <a:cs typeface="Calibri"/>
-            </a:endParaRPr>
-          </a:p>
-          <a:p>
-            <a:pPr marL="629920" lvl="1" indent="-305435">
-              <a:spcBef>
-                <a:spcPct val="20000"/>
-              </a:spcBef>
-              <a:spcAft>
-                <a:spcPts val="600"/>
-              </a:spcAft>
-              <a:buFont typeface="Arial"/>
-              <a:buChar char="•"/>
-            </a:pPr>
-            <a:r>
-              <a:rPr lang="en-IN" sz="900" b="1">
-                <a:latin typeface="Calibri"/>
-                <a:ea typeface="Calibri"/>
-                <a:cs typeface="Calibri"/>
-              </a:rPr>
-              <a:t>Utilize real-time data sources, such as weather conditions, events, and holidays, to enhance prediction accuracy.</a:t>
-            </a:r>
-            <a:endParaRPr lang="en-IN" sz="900">
-              <a:latin typeface="Calibri"/>
-              <a:ea typeface="Calibri"/>
-              <a:cs typeface="Calibri"/>
-            </a:endParaRPr>
-          </a:p>
-          <a:p>
-            <a:pPr marL="305435" indent="-305435">
-              <a:spcBef>
-                <a:spcPct val="20000"/>
-              </a:spcBef>
-              <a:spcAft>
-                <a:spcPts val="600"/>
-              </a:spcAft>
-              <a:buFont typeface="Arial"/>
-              <a:buChar char="•"/>
-            </a:pPr>
-            <a:r>
-              <a:rPr lang="en-IN" sz="900" b="1">
-                <a:latin typeface="Calibri"/>
-                <a:ea typeface="Calibri"/>
-                <a:cs typeface="Calibri"/>
-              </a:rPr>
-              <a:t>Data Preprocessing:</a:t>
-            </a:r>
-            <a:endParaRPr lang="en-IN" sz="900">
-              <a:latin typeface="Calibri"/>
-              <a:ea typeface="Calibri"/>
-              <a:cs typeface="Calibri"/>
-            </a:endParaRPr>
-          </a:p>
-          <a:p>
-            <a:pPr marL="629920" lvl="1" indent="-305435">
-              <a:spcBef>
-                <a:spcPct val="20000"/>
-              </a:spcBef>
-              <a:spcAft>
-                <a:spcPts val="600"/>
-              </a:spcAft>
-              <a:buFont typeface="Arial"/>
-              <a:buChar char="•"/>
-            </a:pPr>
-            <a:r>
-              <a:rPr lang="en-IN" sz="900" b="1">
-                <a:latin typeface="Calibri"/>
-                <a:ea typeface="Calibri"/>
-                <a:cs typeface="Calibri"/>
-              </a:rPr>
-              <a:t>Clean and preprocess the collected data to handle missing values, outliers, and inconsistencies.</a:t>
-            </a:r>
-            <a:endParaRPr lang="en-IN" sz="900">
-              <a:latin typeface="Calibri"/>
-              <a:ea typeface="Calibri"/>
-              <a:cs typeface="Calibri"/>
-            </a:endParaRPr>
-          </a:p>
-          <a:p>
-            <a:pPr marL="629920" lvl="1" indent="-305435">
-              <a:spcBef>
-                <a:spcPct val="20000"/>
-              </a:spcBef>
-              <a:spcAft>
-                <a:spcPts val="600"/>
-              </a:spcAft>
-              <a:buFont typeface="Arial"/>
-              <a:buChar char="•"/>
-            </a:pPr>
-            <a:r>
-              <a:rPr lang="en-IN" sz="900" b="1">
-                <a:latin typeface="Calibri"/>
-                <a:ea typeface="Calibri"/>
-                <a:cs typeface="Calibri"/>
-              </a:rPr>
-              <a:t>Feature engineering to extract relevant features from the data that might impact bike demand.</a:t>
-            </a:r>
-            <a:endParaRPr lang="en-IN" sz="900">
-              <a:latin typeface="Calibri"/>
-              <a:ea typeface="Calibri"/>
-              <a:cs typeface="Calibri"/>
-            </a:endParaRPr>
-          </a:p>
-          <a:p>
-            <a:pPr marL="305435" indent="-305435">
-              <a:spcBef>
-                <a:spcPct val="20000"/>
-              </a:spcBef>
-              <a:spcAft>
-                <a:spcPts val="600"/>
-              </a:spcAft>
-              <a:buFont typeface="Arial"/>
-              <a:buChar char="•"/>
-            </a:pPr>
-            <a:r>
-              <a:rPr lang="en-IN" sz="900" b="1">
-                <a:latin typeface="Calibri"/>
-                <a:ea typeface="Calibri"/>
-                <a:cs typeface="Calibri"/>
-              </a:rPr>
-              <a:t>Machine Learning Algorithm:</a:t>
-            </a:r>
-            <a:endParaRPr lang="en-IN" sz="900">
-              <a:latin typeface="Calibri"/>
-              <a:ea typeface="Calibri"/>
-              <a:cs typeface="Calibri"/>
-            </a:endParaRPr>
-          </a:p>
-          <a:p>
-            <a:pPr marL="629920" lvl="1" indent="-305435">
-              <a:spcBef>
-                <a:spcPct val="20000"/>
-              </a:spcBef>
-              <a:spcAft>
-                <a:spcPts val="600"/>
-              </a:spcAft>
-              <a:buFont typeface="Arial"/>
-              <a:buChar char="•"/>
-            </a:pPr>
-            <a:r>
-              <a:rPr lang="en-IN" sz="900" b="1">
-                <a:latin typeface="Calibri"/>
-                <a:ea typeface="Calibri"/>
-                <a:cs typeface="Calibri"/>
-              </a:rPr>
-              <a:t>Implement a machine learning algorithm, such as a time-series forecasting model (e.g., ARIMA, SARIMA, or LSTM), to predict bike counts based on historical patterns.</a:t>
-            </a:r>
-            <a:endParaRPr lang="en-IN" sz="900">
-              <a:latin typeface="Calibri"/>
-              <a:ea typeface="Calibri"/>
-              <a:cs typeface="Calibri"/>
-            </a:endParaRPr>
-          </a:p>
-          <a:p>
-            <a:pPr marL="629920" lvl="1" indent="-305435">
-              <a:spcBef>
-                <a:spcPct val="20000"/>
-              </a:spcBef>
-              <a:spcAft>
-                <a:spcPts val="600"/>
-              </a:spcAft>
-              <a:buFont typeface="Arial"/>
-              <a:buChar char="•"/>
-            </a:pPr>
-            <a:r>
-              <a:rPr lang="en-IN" sz="900" b="1">
-                <a:latin typeface="Calibri"/>
-                <a:ea typeface="Calibri"/>
-                <a:cs typeface="Calibri"/>
-              </a:rPr>
-              <a:t>Consider incorporating other factors like weather conditions, day of the week, and special events to improve prediction accuracy.</a:t>
-            </a:r>
-            <a:endParaRPr lang="en-IN" sz="900">
-              <a:latin typeface="Calibri"/>
-              <a:ea typeface="Calibri"/>
-              <a:cs typeface="Calibri"/>
-            </a:endParaRPr>
-          </a:p>
-          <a:p>
-            <a:pPr marL="305435" indent="-305435">
-              <a:spcBef>
-                <a:spcPct val="20000"/>
-              </a:spcBef>
-              <a:spcAft>
-                <a:spcPts val="600"/>
-              </a:spcAft>
-              <a:buFont typeface="Arial"/>
-              <a:buChar char="•"/>
-            </a:pPr>
-            <a:r>
-              <a:rPr lang="en-IN" sz="900" b="1">
-                <a:latin typeface="Calibri"/>
-                <a:ea typeface="Calibri"/>
-                <a:cs typeface="Calibri"/>
-              </a:rPr>
-              <a:t>Deployment:</a:t>
-            </a:r>
-            <a:endParaRPr lang="en-IN" sz="900">
-              <a:latin typeface="Calibri"/>
-              <a:ea typeface="Calibri"/>
-              <a:cs typeface="Calibri"/>
-            </a:endParaRPr>
-          </a:p>
-          <a:p>
-            <a:pPr marL="629920" lvl="1" indent="-305435">
-              <a:spcBef>
-                <a:spcPct val="20000"/>
-              </a:spcBef>
-              <a:spcAft>
-                <a:spcPts val="600"/>
-              </a:spcAft>
-              <a:buFont typeface="Arial"/>
-              <a:buChar char="•"/>
-            </a:pPr>
-            <a:r>
-              <a:rPr lang="en-IN" sz="900" b="1">
-                <a:latin typeface="Calibri"/>
-                <a:ea typeface="Calibri"/>
-                <a:cs typeface="Calibri"/>
-              </a:rPr>
-              <a:t>Develop a user-friendly interface or application that provides real-time predictions for bike counts at different hours.</a:t>
-            </a:r>
-            <a:endParaRPr lang="en-IN" sz="900">
-              <a:latin typeface="Calibri"/>
-              <a:ea typeface="Calibri"/>
-              <a:cs typeface="Calibri"/>
-            </a:endParaRPr>
-          </a:p>
-          <a:p>
-            <a:pPr marL="629920" lvl="1" indent="-305435">
-              <a:spcBef>
-                <a:spcPct val="20000"/>
-              </a:spcBef>
-              <a:spcAft>
-                <a:spcPts val="600"/>
-              </a:spcAft>
-              <a:buFont typeface="Arial"/>
-              <a:buChar char="•"/>
-            </a:pPr>
-            <a:r>
-              <a:rPr lang="en-IN" sz="900" b="1">
-                <a:latin typeface="Calibri"/>
-                <a:ea typeface="Calibri"/>
-                <a:cs typeface="Calibri"/>
-              </a:rPr>
-              <a:t>Deploy the solution on a scalable and reliable platform, considering factors like server infrastructure, response time, and user accessibility.</a:t>
-            </a:r>
-            <a:endParaRPr lang="en-IN" sz="900">
-              <a:latin typeface="Calibri"/>
-              <a:ea typeface="Calibri"/>
-              <a:cs typeface="Calibri"/>
-            </a:endParaRPr>
-          </a:p>
-          <a:p>
-            <a:pPr marL="305435" indent="-305435">
-              <a:spcBef>
-                <a:spcPct val="20000"/>
-              </a:spcBef>
-              <a:spcAft>
-                <a:spcPts val="600"/>
-              </a:spcAft>
-              <a:buFont typeface="Arial"/>
-              <a:buChar char="•"/>
-            </a:pPr>
-            <a:r>
-              <a:rPr lang="en-IN" sz="900" b="1">
-                <a:latin typeface="Calibri"/>
-                <a:ea typeface="Calibri"/>
-                <a:cs typeface="Calibri"/>
-              </a:rPr>
-              <a:t>Evaluation:</a:t>
-            </a:r>
-            <a:endParaRPr lang="en-IN" sz="900">
-              <a:latin typeface="Calibri"/>
-              <a:ea typeface="Calibri"/>
-              <a:cs typeface="Calibri"/>
-            </a:endParaRPr>
-          </a:p>
-          <a:p>
-            <a:pPr marL="629920" lvl="1" indent="-305435">
-              <a:spcBef>
-                <a:spcPct val="20000"/>
-              </a:spcBef>
-              <a:spcAft>
-                <a:spcPts val="600"/>
-              </a:spcAft>
-              <a:buFont typeface="Arial"/>
-              <a:buChar char="•"/>
-            </a:pPr>
-            <a:r>
-              <a:rPr lang="en-IN" sz="900" b="1">
-                <a:latin typeface="Calibri"/>
-                <a:ea typeface="Calibri"/>
-                <a:cs typeface="Calibri"/>
-              </a:rPr>
-              <a:t>Assess the model's performance using appropriate metrics such as Mean Absolute Error (MAE), Root Mean Squared Error (RMSE), or other relevant metrics.</a:t>
-            </a:r>
-            <a:endParaRPr lang="en-IN" sz="900">
-              <a:latin typeface="Calibri"/>
-              <a:ea typeface="Calibri"/>
-              <a:cs typeface="Calibri"/>
-            </a:endParaRPr>
-          </a:p>
-          <a:p>
-            <a:pPr marL="629920" lvl="1" indent="-305435">
-              <a:spcBef>
-                <a:spcPct val="20000"/>
-              </a:spcBef>
-              <a:spcAft>
-                <a:spcPts val="600"/>
-              </a:spcAft>
-              <a:buFont typeface="Arial"/>
-              <a:buChar char="•"/>
-            </a:pPr>
-            <a:r>
-              <a:rPr lang="en-IN" sz="900" b="1">
-                <a:latin typeface="Calibri"/>
-                <a:ea typeface="Calibri"/>
-                <a:cs typeface="Calibri"/>
-              </a:rPr>
-              <a:t>Fine-tune the model based on feedback and continuous monitoring of prediction accuracy.</a:t>
-            </a:r>
-            <a:endParaRPr lang="en-IN" sz="900">
-              <a:latin typeface="Calibri"/>
-              <a:ea typeface="Calibri"/>
-              <a:cs typeface="Calibri"/>
-            </a:endParaRPr>
-          </a:p>
-          <a:p>
-            <a:pPr marL="629920" lvl="1" indent="-305435">
-              <a:spcBef>
-                <a:spcPct val="20000"/>
-              </a:spcBef>
-              <a:spcAft>
-                <a:spcPts val="600"/>
-              </a:spcAft>
-              <a:buFont typeface="Arial"/>
-              <a:buChar char="•"/>
-            </a:pPr>
-            <a:r>
-              <a:rPr lang="en-IN" sz="900">
-                <a:latin typeface="Franklin Gothic Book"/>
-              </a:rPr>
-              <a:t>Result:</a:t>
-            </a:r>
-            <a:endParaRPr lang="en-GB" sz="900"/>
+              <a:rPr lang="en-US" sz="2400" dirty="0"/>
+              <a:t>	The proposed system accepts </a:t>
+            </a:r>
+            <a:r>
+              <a:rPr lang="en-US" sz="2400" b="1" dirty="0"/>
+              <a:t>text or voice input</a:t>
+            </a:r>
+            <a:r>
+              <a:rPr lang="en-US" sz="2400" dirty="0"/>
+              <a:t>, processes it through NLP and speech recognition, and uses a </a:t>
+            </a:r>
+            <a:r>
+              <a:rPr lang="en-US" sz="2400" b="1" dirty="0"/>
+              <a:t>machine learning model</a:t>
+            </a:r>
+            <a:r>
+              <a:rPr lang="en-US" sz="2400" dirty="0"/>
+              <a:t> to classify the emotion as </a:t>
+            </a:r>
+            <a:r>
+              <a:rPr lang="en-US" sz="2400" i="1" dirty="0"/>
+              <a:t>happy, sad, angry</a:t>
+            </a:r>
+            <a:r>
+              <a:rPr lang="en-US" sz="2400" dirty="0"/>
+              <a:t>, or </a:t>
+            </a:r>
+            <a:r>
+              <a:rPr lang="en-US" sz="2400" i="1" dirty="0"/>
+              <a:t>neutral</a:t>
+            </a:r>
+            <a:r>
+              <a:rPr lang="en-US" sz="2400" dirty="0"/>
+              <a:t>.</a:t>
+            </a:r>
+          </a:p>
+          <a:p>
+            <a:r>
+              <a:rPr lang="en-US" sz="2400" dirty="0"/>
+              <a:t>Uses </a:t>
+            </a:r>
+            <a:r>
+              <a:rPr lang="en-US" sz="2400" b="1" dirty="0" err="1"/>
+              <a:t>SpeechRecognition</a:t>
+            </a:r>
+            <a:r>
+              <a:rPr lang="en-US" sz="2400" dirty="0"/>
+              <a:t> to convert voice to text</a:t>
+            </a:r>
+          </a:p>
+          <a:p>
+            <a:r>
+              <a:rPr lang="en-US" sz="2400" dirty="0"/>
+              <a:t>Applies </a:t>
+            </a:r>
+            <a:r>
+              <a:rPr lang="en-US" sz="2400" b="1" dirty="0"/>
+              <a:t>TF-IDF + Logistic Regression</a:t>
+            </a:r>
+            <a:r>
+              <a:rPr lang="en-US" sz="2400" dirty="0"/>
+              <a:t> for emotion classification</a:t>
+            </a:r>
+          </a:p>
+          <a:p>
+            <a:r>
+              <a:rPr lang="en-US" sz="2400" dirty="0"/>
+              <a:t>A </a:t>
+            </a:r>
+            <a:r>
+              <a:rPr lang="en-US" sz="2400" b="1" dirty="0" err="1"/>
+              <a:t>Gradio</a:t>
+            </a:r>
+            <a:r>
+              <a:rPr lang="en-US" sz="2400" b="1" dirty="0"/>
+              <a:t> interface</a:t>
+            </a:r>
+            <a:r>
+              <a:rPr lang="en-US" sz="2400" dirty="0"/>
+              <a:t> is provided for easy user interaction</a:t>
+            </a:r>
           </a:p>
         </p:txBody>
       </p:sp>
@@ -8635,90 +8545,478 @@
       </p:sp>
       <p:sp>
         <p:nvSpPr>
-          <p:cNvPr id="3" name="Content Placeholder 2">
+          <p:cNvPr id="5" name="Rectangle 2">
             <a:extLst>
               <a:ext uri="{FF2B5EF4-FFF2-40B4-BE49-F238E27FC236}">
-                <a16:creationId xmlns:a16="http://schemas.microsoft.com/office/drawing/2014/main" id="{FE07E8EE-7F26-D809-3523-C58876935A4E}"/>
+                <a16:creationId xmlns:a16="http://schemas.microsoft.com/office/drawing/2014/main" id="{4AF3FA55-E303-8FD5-24DA-B805E5015F90}"/>
               </a:ext>
             </a:extLst>
           </p:cNvPr>
           <p:cNvSpPr>
-            <a:spLocks noGrp="1"/>
+            <a:spLocks noGrp="1" noChangeArrowheads="1"/>
           </p:cNvSpPr>
           <p:nvPr>
             <p:ph idx="1"/>
           </p:nvPr>
         </p:nvSpPr>
-        <p:spPr>
+        <p:spPr bwMode="auto">
           <a:xfrm>
-            <a:off x="838200" y="1929384"/>
-            <a:ext cx="10515600" cy="4251960"/>
+            <a:off x="838200" y="2037508"/>
+            <a:ext cx="8607251" cy="3816429"/>
           </a:xfrm>
+          <a:prstGeom prst="rect">
+            <a:avLst/>
+          </a:prstGeom>
+          <a:noFill/>
+          <a:ln>
+            <a:noFill/>
+          </a:ln>
+          <a:effectLst/>
+          <a:extLst>
+            <a:ext uri="{909E8E84-426E-40DD-AFC4-6F175D3DCCD1}">
+              <a14:hiddenFill xmlns:a14="http://schemas.microsoft.com/office/drawing/2010/main">
+                <a:solidFill>
+                  <a:schemeClr val="accent1"/>
+                </a:solidFill>
+              </a14:hiddenFill>
+            </a:ext>
+            <a:ext uri="{91240B29-F687-4F45-9708-019B960494DF}">
+              <a14:hiddenLine xmlns:a14="http://schemas.microsoft.com/office/drawing/2010/main" w="9525">
+                <a:solidFill>
+                  <a:schemeClr val="tx1"/>
+                </a:solidFill>
+                <a:miter lim="800000"/>
+                <a:headEnd/>
+                <a:tailEnd/>
+              </a14:hiddenLine>
+            </a:ext>
+            <a:ext uri="{AF507438-7753-43E0-B8FC-AC1667EBCBE1}">
+              <a14:hiddenEffects xmlns:a14="http://schemas.microsoft.com/office/drawing/2010/main">
+                <a:effectLst>
+                  <a:outerShdw dist="35921" dir="2700000" algn="ctr" rotWithShape="0">
+                    <a:schemeClr val="bg2"/>
+                  </a:outerShdw>
+                </a:effectLst>
+              </a14:hiddenEffects>
+            </a:ext>
+          </a:extLst>
         </p:spPr>
         <p:txBody>
-          <a:bodyPr vert="horz" lIns="91440" tIns="45720" rIns="91440" bIns="45720" rtlCol="0">
-            <a:normAutofit/>
+          <a:bodyPr vert="horz" wrap="square" lIns="91440" tIns="45720" rIns="91440" bIns="45720" numCol="1" anchor="ctr" anchorCtr="0" compatLnSpc="1">
+            <a:prstTxWarp prst="textNoShape">
+              <a:avLst/>
+            </a:prstTxWarp>
+            <a:spAutoFit/>
           </a:bodyPr>
           <a:lstStyle/>
           <a:p>
-            <a:pPr marL="0" indent="0">
+            <a:pPr marL="0" marR="0" lvl="0" indent="0" algn="l" defTabSz="914400" rtl="0" eaLnBrk="0" fontAlgn="base" latinLnBrk="0" hangingPunct="0">
+              <a:lnSpc>
+                <a:spcPct val="100000"/>
+              </a:lnSpc>
               <a:spcBef>
-                <a:spcPct val="20000"/>
+                <a:spcPct val="0"/>
               </a:spcBef>
               <a:spcAft>
-                <a:spcPts val="600"/>
+                <a:spcPct val="0"/>
+              </a:spcAft>
+              <a:buClrTx/>
+              <a:buSzTx/>
+              <a:buFontTx/>
+              <a:buNone/>
+              <a:tabLst/>
+            </a:pPr>
+            <a:r>
+              <a:rPr kumimoji="0" lang="en-US" altLang="en-US" b="1" i="0" u="none" strike="noStrike" cap="none" normalizeH="0" baseline="0" dirty="0">
+                <a:ln>
+                  <a:noFill/>
+                </a:ln>
+                <a:solidFill>
+                  <a:schemeClr val="tx1"/>
+                </a:solidFill>
+                <a:effectLst/>
+                <a:latin typeface="Times New Roman" panose="02020603050405020304" pitchFamily="18" charset="0"/>
+                <a:cs typeface="Times New Roman" panose="02020603050405020304" pitchFamily="18" charset="0"/>
+              </a:rPr>
+              <a:t>System Requirements:</a:t>
+            </a:r>
+            <a:endParaRPr kumimoji="0" lang="en-US" altLang="en-US" b="0" i="0" u="none" strike="noStrike" cap="none" normalizeH="0" baseline="0" dirty="0">
+              <a:ln>
+                <a:noFill/>
+              </a:ln>
+              <a:solidFill>
+                <a:schemeClr val="tx1"/>
+              </a:solidFill>
+              <a:effectLst/>
+              <a:latin typeface="Times New Roman" panose="02020603050405020304" pitchFamily="18" charset="0"/>
+              <a:cs typeface="Times New Roman" panose="02020603050405020304" pitchFamily="18" charset="0"/>
+            </a:endParaRPr>
+          </a:p>
+          <a:p>
+            <a:pPr marL="457200" lvl="1" indent="0" eaLnBrk="0" fontAlgn="base" hangingPunct="0">
+              <a:lnSpc>
+                <a:spcPct val="100000"/>
+              </a:lnSpc>
+              <a:spcBef>
+                <a:spcPct val="0"/>
+              </a:spcBef>
+              <a:spcAft>
+                <a:spcPct val="0"/>
+              </a:spcAft>
+              <a:buFontTx/>
+              <a:buChar char="•"/>
+            </a:pPr>
+            <a:r>
+              <a:rPr kumimoji="0" lang="en-US" altLang="en-US" b="0" i="0" u="none" strike="noStrike" cap="none" normalizeH="0" baseline="0" dirty="0">
+                <a:ln>
+                  <a:noFill/>
+                </a:ln>
+                <a:solidFill>
+                  <a:schemeClr val="tx1"/>
+                </a:solidFill>
+                <a:effectLst/>
+                <a:latin typeface="Times New Roman" panose="02020603050405020304" pitchFamily="18" charset="0"/>
+                <a:cs typeface="Times New Roman" panose="02020603050405020304" pitchFamily="18" charset="0"/>
+              </a:rPr>
+              <a:t>Python 3.9+</a:t>
+            </a:r>
+          </a:p>
+          <a:p>
+            <a:pPr marL="457200" lvl="1" indent="0" eaLnBrk="0" fontAlgn="base" hangingPunct="0">
+              <a:lnSpc>
+                <a:spcPct val="100000"/>
+              </a:lnSpc>
+              <a:spcBef>
+                <a:spcPct val="0"/>
+              </a:spcBef>
+              <a:spcAft>
+                <a:spcPct val="0"/>
+              </a:spcAft>
+              <a:buFontTx/>
+              <a:buChar char="•"/>
+            </a:pPr>
+            <a:r>
+              <a:rPr kumimoji="0" lang="en-US" altLang="en-US" b="0" i="0" u="none" strike="noStrike" cap="none" normalizeH="0" baseline="0" dirty="0">
+                <a:ln>
+                  <a:noFill/>
+                </a:ln>
+                <a:solidFill>
+                  <a:schemeClr val="tx1"/>
+                </a:solidFill>
+                <a:effectLst/>
+                <a:latin typeface="Times New Roman" panose="02020603050405020304" pitchFamily="18" charset="0"/>
+                <a:cs typeface="Times New Roman" panose="02020603050405020304" pitchFamily="18" charset="0"/>
+              </a:rPr>
+              <a:t>Libraries: scikit-learn, </a:t>
+            </a:r>
+            <a:r>
+              <a:rPr kumimoji="0" lang="en-US" altLang="en-US" b="0" i="0" u="none" strike="noStrike" cap="none" normalizeH="0" baseline="0" dirty="0" err="1">
+                <a:ln>
+                  <a:noFill/>
+                </a:ln>
+                <a:solidFill>
+                  <a:schemeClr val="tx1"/>
+                </a:solidFill>
+                <a:effectLst/>
+                <a:latin typeface="Times New Roman" panose="02020603050405020304" pitchFamily="18" charset="0"/>
+                <a:cs typeface="Times New Roman" panose="02020603050405020304" pitchFamily="18" charset="0"/>
+              </a:rPr>
+              <a:t>gradio</a:t>
+            </a:r>
+            <a:r>
+              <a:rPr kumimoji="0" lang="en-US" altLang="en-US" b="0" i="0" u="none" strike="noStrike" cap="none" normalizeH="0" baseline="0" dirty="0">
+                <a:ln>
+                  <a:noFill/>
+                </a:ln>
+                <a:solidFill>
+                  <a:schemeClr val="tx1"/>
+                </a:solidFill>
+                <a:effectLst/>
+                <a:latin typeface="Times New Roman" panose="02020603050405020304" pitchFamily="18" charset="0"/>
+                <a:cs typeface="Times New Roman" panose="02020603050405020304" pitchFamily="18" charset="0"/>
+              </a:rPr>
+              <a:t>, </a:t>
+            </a:r>
+            <a:r>
+              <a:rPr kumimoji="0" lang="en-US" altLang="en-US" b="0" i="0" u="none" strike="noStrike" cap="none" normalizeH="0" baseline="0" dirty="0" err="1">
+                <a:ln>
+                  <a:noFill/>
+                </a:ln>
+                <a:solidFill>
+                  <a:schemeClr val="tx1"/>
+                </a:solidFill>
+                <a:effectLst/>
+                <a:latin typeface="Times New Roman" panose="02020603050405020304" pitchFamily="18" charset="0"/>
+                <a:cs typeface="Times New Roman" panose="02020603050405020304" pitchFamily="18" charset="0"/>
+              </a:rPr>
+              <a:t>speechrecognition</a:t>
+            </a:r>
+            <a:endParaRPr lang="en-US" altLang="en-US">
+              <a:latin typeface="Times New Roman" panose="02020603050405020304" pitchFamily="18" charset="0"/>
+              <a:cs typeface="Times New Roman" panose="02020603050405020304" pitchFamily="18" charset="0"/>
+            </a:endParaRPr>
+          </a:p>
+          <a:p>
+            <a:pPr marL="457200" lvl="1" indent="0" eaLnBrk="0" fontAlgn="base" hangingPunct="0">
+              <a:lnSpc>
+                <a:spcPct val="100000"/>
+              </a:lnSpc>
+              <a:spcBef>
+                <a:spcPct val="0"/>
+              </a:spcBef>
+              <a:spcAft>
+                <a:spcPct val="0"/>
               </a:spcAft>
               <a:buNone/>
             </a:pPr>
-            <a:r>
-              <a:rPr lang="en-IN" sz="2200" b="1">
-                <a:latin typeface="Franklin Gothic Book"/>
-              </a:rPr>
-              <a:t>The "System Approach" section outlines the overall strategy and methodology for developing and implementing the rental bike prediction system. Here's a suggested structure for this section:</a:t>
-            </a:r>
-            <a:endParaRPr lang="en-US" sz="2200">
-              <a:latin typeface="Franklin Gothic Book"/>
+            <a:endParaRPr kumimoji="0" lang="en-US" altLang="en-US" b="0" i="0" u="none" strike="noStrike" cap="none" normalizeH="0" baseline="0" dirty="0">
+              <a:ln>
+                <a:noFill/>
+              </a:ln>
+              <a:solidFill>
+                <a:schemeClr val="tx1"/>
+              </a:solidFill>
+              <a:effectLst/>
+              <a:latin typeface="Times New Roman" panose="02020603050405020304" pitchFamily="18" charset="0"/>
+              <a:cs typeface="Times New Roman" panose="02020603050405020304" pitchFamily="18" charset="0"/>
             </a:endParaRPr>
           </a:p>
           <a:p>
-            <a:pPr marL="305435" indent="-305435">
+            <a:pPr marL="0" marR="0" lvl="0" indent="0" algn="l" defTabSz="914400" rtl="0" eaLnBrk="0" fontAlgn="base" latinLnBrk="0" hangingPunct="0">
+              <a:lnSpc>
+                <a:spcPct val="100000"/>
+              </a:lnSpc>
               <a:spcBef>
-                <a:spcPct val="20000"/>
+                <a:spcPct val="0"/>
               </a:spcBef>
               <a:spcAft>
-                <a:spcPts val="600"/>
+                <a:spcPct val="0"/>
               </a:spcAft>
-              <a:buFont typeface="Arial"/>
+              <a:buClrTx/>
+              <a:buSzTx/>
+              <a:buFontTx/>
+              <a:buNone/>
+              <a:tabLst/>
+            </a:pPr>
+            <a:r>
+              <a:rPr kumimoji="0" lang="en-US" altLang="en-US" b="1" i="0" u="none" strike="noStrike" cap="none" normalizeH="0" baseline="0" dirty="0">
+                <a:ln>
+                  <a:noFill/>
+                </a:ln>
+                <a:solidFill>
+                  <a:schemeClr val="tx1"/>
+                </a:solidFill>
+                <a:effectLst/>
+                <a:latin typeface="Times New Roman" panose="02020603050405020304" pitchFamily="18" charset="0"/>
+                <a:cs typeface="Times New Roman" panose="02020603050405020304" pitchFamily="18" charset="0"/>
+              </a:rPr>
+              <a:t>Technology Stack:</a:t>
+            </a:r>
+            <a:endParaRPr kumimoji="0" lang="en-US" altLang="en-US" b="0" i="0" u="none" strike="noStrike" cap="none" normalizeH="0" baseline="0" dirty="0">
+              <a:ln>
+                <a:noFill/>
+              </a:ln>
+              <a:solidFill>
+                <a:schemeClr val="tx1"/>
+              </a:solidFill>
+              <a:effectLst/>
+              <a:latin typeface="Times New Roman" panose="02020603050405020304" pitchFamily="18" charset="0"/>
+              <a:cs typeface="Times New Roman" panose="02020603050405020304" pitchFamily="18" charset="0"/>
+            </a:endParaRPr>
+          </a:p>
+          <a:p>
+            <a:pPr marL="457200" lvl="1" indent="0" eaLnBrk="0" fontAlgn="base" hangingPunct="0">
+              <a:lnSpc>
+                <a:spcPct val="100000"/>
+              </a:lnSpc>
+              <a:spcBef>
+                <a:spcPct val="0"/>
+              </a:spcBef>
+              <a:spcAft>
+                <a:spcPct val="0"/>
+              </a:spcAft>
+              <a:buFontTx/>
               <a:buChar char="•"/>
             </a:pPr>
             <a:r>
-              <a:rPr lang="en-IN" sz="2200" b="1">
-                <a:latin typeface="Franklin Gothic Book"/>
+              <a:rPr kumimoji="0" lang="en-US" altLang="en-US" b="0" i="0" u="none" strike="noStrike" cap="none" normalizeH="0" baseline="0" dirty="0">
+                <a:ln>
+                  <a:noFill/>
+                </a:ln>
+                <a:solidFill>
+                  <a:schemeClr val="tx1"/>
+                </a:solidFill>
+                <a:effectLst/>
+                <a:latin typeface="Times New Roman" panose="02020603050405020304" pitchFamily="18" charset="0"/>
+                <a:cs typeface="Times New Roman" panose="02020603050405020304" pitchFamily="18" charset="0"/>
               </a:rPr>
-              <a:t>System requirements</a:t>
-            </a:r>
-            <a:endParaRPr lang="en-US" sz="2200">
-              <a:latin typeface="Franklin Gothic Book"/>
-            </a:endParaRPr>
-          </a:p>
-          <a:p>
-            <a:pPr marL="305435" indent="-305435">
+              <a:t>NLP &amp; ML: Scikit-learn</a:t>
+            </a:r>
+          </a:p>
+          <a:p>
+            <a:pPr marL="457200" lvl="1" indent="0" eaLnBrk="0" fontAlgn="base" hangingPunct="0">
+              <a:lnSpc>
+                <a:spcPct val="100000"/>
+              </a:lnSpc>
               <a:spcBef>
-                <a:spcPct val="20000"/>
+                <a:spcPct val="0"/>
               </a:spcBef>
               <a:spcAft>
-                <a:spcPts val="600"/>
+                <a:spcPct val="0"/>
               </a:spcAft>
-              <a:buFont typeface="Arial"/>
+              <a:buFontTx/>
               <a:buChar char="•"/>
             </a:pPr>
             <a:r>
-              <a:rPr lang="en-IN" sz="2200" b="1">
-                <a:latin typeface="Franklin Gothic Book"/>
+              <a:rPr kumimoji="0" lang="en-US" altLang="en-US" b="0" i="0" u="none" strike="noStrike" cap="none" normalizeH="0" baseline="0" dirty="0">
+                <a:ln>
+                  <a:noFill/>
+                </a:ln>
+                <a:solidFill>
+                  <a:schemeClr val="tx1"/>
+                </a:solidFill>
+                <a:effectLst/>
+                <a:latin typeface="Times New Roman" panose="02020603050405020304" pitchFamily="18" charset="0"/>
+                <a:cs typeface="Times New Roman" panose="02020603050405020304" pitchFamily="18" charset="0"/>
               </a:rPr>
-              <a:t>Library required to build the model</a:t>
-            </a:r>
-            <a:endParaRPr lang="en-GB" sz="2200"/>
+              <a:t>Audio Processing: </a:t>
+            </a:r>
+            <a:r>
+              <a:rPr kumimoji="0" lang="en-US" altLang="en-US" b="0" i="0" u="none" strike="noStrike" cap="none" normalizeH="0" baseline="0" dirty="0" err="1">
+                <a:ln>
+                  <a:noFill/>
+                </a:ln>
+                <a:solidFill>
+                  <a:schemeClr val="tx1"/>
+                </a:solidFill>
+                <a:effectLst/>
+                <a:latin typeface="Times New Roman" panose="02020603050405020304" pitchFamily="18" charset="0"/>
+                <a:cs typeface="Times New Roman" panose="02020603050405020304" pitchFamily="18" charset="0"/>
+              </a:rPr>
+              <a:t>SpeechRecognition</a:t>
+            </a:r>
+            <a:endParaRPr kumimoji="0" lang="en-US" altLang="en-US" b="0" i="0" u="none" strike="noStrike" cap="none" normalizeH="0" baseline="0" dirty="0">
+              <a:ln>
+                <a:noFill/>
+              </a:ln>
+              <a:solidFill>
+                <a:schemeClr val="tx1"/>
+              </a:solidFill>
+              <a:effectLst/>
+              <a:latin typeface="Times New Roman" panose="02020603050405020304" pitchFamily="18" charset="0"/>
+              <a:cs typeface="Times New Roman" panose="02020603050405020304" pitchFamily="18" charset="0"/>
+            </a:endParaRPr>
+          </a:p>
+          <a:p>
+            <a:pPr marL="457200" lvl="1" indent="0" eaLnBrk="0" fontAlgn="base" hangingPunct="0">
+              <a:lnSpc>
+                <a:spcPct val="100000"/>
+              </a:lnSpc>
+              <a:spcBef>
+                <a:spcPct val="0"/>
+              </a:spcBef>
+              <a:spcAft>
+                <a:spcPct val="0"/>
+              </a:spcAft>
+              <a:buFontTx/>
+              <a:buChar char="•"/>
+            </a:pPr>
+            <a:r>
+              <a:rPr kumimoji="0" lang="en-US" altLang="en-US" b="0" i="0" u="none" strike="noStrike" cap="none" normalizeH="0" baseline="0" dirty="0">
+                <a:ln>
+                  <a:noFill/>
+                </a:ln>
+                <a:solidFill>
+                  <a:schemeClr val="tx1"/>
+                </a:solidFill>
+                <a:effectLst/>
+                <a:latin typeface="Times New Roman" panose="02020603050405020304" pitchFamily="18" charset="0"/>
+                <a:cs typeface="Times New Roman" panose="02020603050405020304" pitchFamily="18" charset="0"/>
+              </a:rPr>
+              <a:t>UI: </a:t>
+            </a:r>
+            <a:r>
+              <a:rPr kumimoji="0" lang="en-US" altLang="en-US" b="0" i="0" u="none" strike="noStrike" cap="none" normalizeH="0" baseline="0" dirty="0" err="1">
+                <a:ln>
+                  <a:noFill/>
+                </a:ln>
+                <a:solidFill>
+                  <a:schemeClr val="tx1"/>
+                </a:solidFill>
+                <a:effectLst/>
+                <a:latin typeface="Times New Roman" panose="02020603050405020304" pitchFamily="18" charset="0"/>
+                <a:cs typeface="Times New Roman" panose="02020603050405020304" pitchFamily="18" charset="0"/>
+              </a:rPr>
+              <a:t>Gradio</a:t>
+            </a:r>
+            <a:endParaRPr kumimoji="0" lang="en-US" altLang="en-US" b="0" i="0" u="none" strike="noStrike" cap="none" normalizeH="0" baseline="0" dirty="0">
+              <a:ln>
+                <a:noFill/>
+              </a:ln>
+              <a:solidFill>
+                <a:schemeClr val="tx1"/>
+              </a:solidFill>
+              <a:effectLst/>
+              <a:latin typeface="Times New Roman" panose="02020603050405020304" pitchFamily="18" charset="0"/>
+              <a:cs typeface="Times New Roman" panose="02020603050405020304" pitchFamily="18" charset="0"/>
+            </a:endParaRPr>
+          </a:p>
+          <a:p>
+            <a:pPr marL="457200" lvl="1" indent="0" eaLnBrk="0" fontAlgn="base" hangingPunct="0">
+              <a:lnSpc>
+                <a:spcPct val="100000"/>
+              </a:lnSpc>
+              <a:spcBef>
+                <a:spcPct val="0"/>
+              </a:spcBef>
+              <a:spcAft>
+                <a:spcPct val="0"/>
+              </a:spcAft>
+              <a:buFontTx/>
+              <a:buChar char="•"/>
+            </a:pPr>
+            <a:r>
+              <a:rPr kumimoji="0" lang="en-US" altLang="en-US" b="0" i="0" u="none" strike="noStrike" cap="none" normalizeH="0" baseline="0" dirty="0">
+                <a:ln>
+                  <a:noFill/>
+                </a:ln>
+                <a:solidFill>
+                  <a:schemeClr val="tx1"/>
+                </a:solidFill>
+                <a:effectLst/>
+                <a:latin typeface="Times New Roman" panose="02020603050405020304" pitchFamily="18" charset="0"/>
+                <a:cs typeface="Times New Roman" panose="02020603050405020304" pitchFamily="18" charset="0"/>
+              </a:rPr>
+              <a:t>Data: Sample emotion-labeled text</a:t>
+            </a:r>
+          </a:p>
+          <a:p>
+            <a:pPr marL="0" marR="0" lvl="0" indent="0" algn="l" defTabSz="914400" rtl="0" eaLnBrk="0" fontAlgn="base" latinLnBrk="0" hangingPunct="0">
+              <a:lnSpc>
+                <a:spcPct val="100000"/>
+              </a:lnSpc>
+              <a:spcBef>
+                <a:spcPct val="0"/>
+              </a:spcBef>
+              <a:spcAft>
+                <a:spcPct val="0"/>
+              </a:spcAft>
+              <a:buClrTx/>
+              <a:buSzTx/>
+              <a:buFontTx/>
+              <a:buNone/>
+              <a:tabLst/>
+            </a:pPr>
+            <a:endParaRPr kumimoji="0" lang="en-US" altLang="en-US" sz="1800" b="0" i="0" u="none" strike="noStrike" cap="none" normalizeH="0" baseline="0" dirty="0">
+              <a:ln>
+                <a:noFill/>
+              </a:ln>
+              <a:solidFill>
+                <a:schemeClr val="tx1"/>
+              </a:solidFill>
+              <a:effectLst/>
+              <a:latin typeface="Arial" panose="020B0604020202020204" pitchFamily="34" charset="0"/>
+            </a:endParaRPr>
           </a:p>
         </p:txBody>
       </p:sp>
@@ -9499,205 +9797,479 @@
       </p:sp>
       <p:sp>
         <p:nvSpPr>
-          <p:cNvPr id="3" name="Content Placeholder 2">
+          <p:cNvPr id="4" name="Rectangle 1">
             <a:extLst>
               <a:ext uri="{FF2B5EF4-FFF2-40B4-BE49-F238E27FC236}">
-                <a16:creationId xmlns:a16="http://schemas.microsoft.com/office/drawing/2014/main" id="{B5107410-DE3D-5F62-F9D7-11EAEA92F0BB}"/>
+                <a16:creationId xmlns:a16="http://schemas.microsoft.com/office/drawing/2014/main" id="{A912D5DA-40A4-366D-26F9-5EC224E6965E}"/>
               </a:ext>
             </a:extLst>
           </p:cNvPr>
           <p:cNvSpPr>
-            <a:spLocks noGrp="1"/>
+            <a:spLocks noGrp="1" noChangeArrowheads="1"/>
           </p:cNvSpPr>
           <p:nvPr>
             <p:ph idx="1"/>
           </p:nvPr>
         </p:nvSpPr>
-        <p:spPr>
+        <p:spPr bwMode="auto">
           <a:xfrm>
-            <a:off x="838200" y="1929384"/>
-            <a:ext cx="10515600" cy="4251960"/>
+            <a:off x="838199" y="2023944"/>
+            <a:ext cx="9360877" cy="4062651"/>
           </a:xfrm>
+          <a:prstGeom prst="rect">
+            <a:avLst/>
+          </a:prstGeom>
+          <a:noFill/>
+          <a:ln>
+            <a:noFill/>
+          </a:ln>
+          <a:effectLst/>
+          <a:extLst>
+            <a:ext uri="{909E8E84-426E-40DD-AFC4-6F175D3DCCD1}">
+              <a14:hiddenFill xmlns:a14="http://schemas.microsoft.com/office/drawing/2010/main">
+                <a:solidFill>
+                  <a:schemeClr val="accent1"/>
+                </a:solidFill>
+              </a14:hiddenFill>
+            </a:ext>
+            <a:ext uri="{91240B29-F687-4F45-9708-019B960494DF}">
+              <a14:hiddenLine xmlns:a14="http://schemas.microsoft.com/office/drawing/2010/main" w="9525">
+                <a:solidFill>
+                  <a:schemeClr val="tx1"/>
+                </a:solidFill>
+                <a:miter lim="800000"/>
+                <a:headEnd/>
+                <a:tailEnd/>
+              </a14:hiddenLine>
+            </a:ext>
+            <a:ext uri="{AF507438-7753-43E0-B8FC-AC1667EBCBE1}">
+              <a14:hiddenEffects xmlns:a14="http://schemas.microsoft.com/office/drawing/2010/main">
+                <a:effectLst>
+                  <a:outerShdw dist="35921" dir="2700000" algn="ctr" rotWithShape="0">
+                    <a:schemeClr val="bg2"/>
+                  </a:outerShdw>
+                </a:effectLst>
+              </a14:hiddenEffects>
+            </a:ext>
+          </a:extLst>
         </p:spPr>
         <p:txBody>
-          <a:bodyPr vert="horz" lIns="91440" tIns="45720" rIns="91440" bIns="45720" rtlCol="0">
-            <a:normAutofit/>
+          <a:bodyPr vert="horz" wrap="square" lIns="91440" tIns="45720" rIns="91440" bIns="45720" numCol="1" anchor="ctr" anchorCtr="0" compatLnSpc="1">
+            <a:prstTxWarp prst="textNoShape">
+              <a:avLst/>
+            </a:prstTxWarp>
+            <a:spAutoFit/>
           </a:bodyPr>
           <a:lstStyle/>
           <a:p>
-            <a:pPr marL="305435" indent="-305435">
+            <a:pPr marL="0" marR="0" lvl="0" indent="0" algn="l" defTabSz="914400" rtl="0" eaLnBrk="0" fontAlgn="base" latinLnBrk="0" hangingPunct="0">
+              <a:lnSpc>
+                <a:spcPct val="100000"/>
+              </a:lnSpc>
               <a:spcBef>
-                <a:spcPct val="20000"/>
+                <a:spcPct val="0"/>
               </a:spcBef>
               <a:spcAft>
-                <a:spcPts val="600"/>
+                <a:spcPct val="0"/>
               </a:spcAft>
-              <a:buFont typeface="Arial"/>
+              <a:buClrTx/>
+              <a:buSzTx/>
+              <a:buFontTx/>
+              <a:buNone/>
+              <a:tabLst/>
+            </a:pPr>
+            <a:r>
+              <a:rPr kumimoji="0" lang="en-US" altLang="en-US" b="1" i="0" u="none" strike="noStrike" cap="none" normalizeH="0" baseline="0" dirty="0">
+                <a:ln>
+                  <a:noFill/>
+                </a:ln>
+                <a:solidFill>
+                  <a:schemeClr val="tx1"/>
+                </a:solidFill>
+                <a:effectLst/>
+                <a:latin typeface="Times New Roman" panose="02020603050405020304" pitchFamily="18" charset="0"/>
+                <a:cs typeface="Times New Roman" panose="02020603050405020304" pitchFamily="18" charset="0"/>
+              </a:rPr>
+              <a:t>Algorithm Used: Logistic Regression</a:t>
+            </a:r>
+            <a:endParaRPr kumimoji="0" lang="en-US" altLang="en-US" b="0" i="0" u="none" strike="noStrike" cap="none" normalizeH="0" baseline="0" dirty="0">
+              <a:ln>
+                <a:noFill/>
+              </a:ln>
+              <a:solidFill>
+                <a:schemeClr val="tx1"/>
+              </a:solidFill>
+              <a:effectLst/>
+              <a:latin typeface="Times New Roman" panose="02020603050405020304" pitchFamily="18" charset="0"/>
+              <a:cs typeface="Times New Roman" panose="02020603050405020304" pitchFamily="18" charset="0"/>
+            </a:endParaRPr>
+          </a:p>
+          <a:p>
+            <a:pPr marL="457200" lvl="1" indent="0" eaLnBrk="0" fontAlgn="base" hangingPunct="0">
+              <a:lnSpc>
+                <a:spcPct val="100000"/>
+              </a:lnSpc>
+              <a:spcBef>
+                <a:spcPct val="0"/>
+              </a:spcBef>
+              <a:spcAft>
+                <a:spcPct val="0"/>
+              </a:spcAft>
+              <a:buFontTx/>
               <a:buChar char="•"/>
             </a:pPr>
             <a:r>
-              <a:rPr lang="en-IN" sz="1500">
-                <a:latin typeface="Franklin Gothic Book"/>
+              <a:rPr kumimoji="0" lang="en-US" altLang="en-US" b="1" i="0" u="none" strike="noStrike" cap="none" normalizeH="0" baseline="0" dirty="0">
+                <a:ln>
+                  <a:noFill/>
+                </a:ln>
+                <a:solidFill>
+                  <a:schemeClr val="tx1"/>
+                </a:solidFill>
+                <a:effectLst/>
+                <a:latin typeface="Times New Roman" panose="02020603050405020304" pitchFamily="18" charset="0"/>
+                <a:cs typeface="Times New Roman" panose="02020603050405020304" pitchFamily="18" charset="0"/>
               </a:rPr>
-              <a:t>In the Algorithm section, describe the machine learning algorithm chosen for predicting bike counts. Here's an example structure for this section:</a:t>
-            </a:r>
-          </a:p>
-          <a:p>
-            <a:pPr marL="305435" indent="-305435">
+              <a:t>Input</a:t>
+            </a:r>
+            <a:r>
+              <a:rPr kumimoji="0" lang="en-US" altLang="en-US" b="0" i="0" u="none" strike="noStrike" cap="none" normalizeH="0" baseline="0" dirty="0">
+                <a:ln>
+                  <a:noFill/>
+                </a:ln>
+                <a:solidFill>
+                  <a:schemeClr val="tx1"/>
+                </a:solidFill>
+                <a:effectLst/>
+                <a:latin typeface="Times New Roman" panose="02020603050405020304" pitchFamily="18" charset="0"/>
+                <a:cs typeface="Times New Roman" panose="02020603050405020304" pitchFamily="18" charset="0"/>
+              </a:rPr>
+              <a:t>: Text from user or transcribed from audio</a:t>
+            </a:r>
+          </a:p>
+          <a:p>
+            <a:pPr marL="457200" lvl="1" indent="0" eaLnBrk="0" fontAlgn="base" hangingPunct="0">
+              <a:lnSpc>
+                <a:spcPct val="100000"/>
+              </a:lnSpc>
               <a:spcBef>
-                <a:spcPct val="20000"/>
+                <a:spcPct val="0"/>
               </a:spcBef>
               <a:spcAft>
-                <a:spcPts val="600"/>
+                <a:spcPct val="0"/>
               </a:spcAft>
-              <a:buFont typeface="Arial"/>
+              <a:buFontTx/>
               <a:buChar char="•"/>
             </a:pPr>
             <a:r>
-              <a:rPr lang="en-IN" sz="1500" b="1">
-                <a:latin typeface="Franklin Gothic Book"/>
+              <a:rPr kumimoji="0" lang="en-US" altLang="en-US" b="1" i="0" u="none" strike="noStrike" cap="none" normalizeH="0" baseline="0" dirty="0">
+                <a:ln>
+                  <a:noFill/>
+                </a:ln>
+                <a:solidFill>
+                  <a:schemeClr val="tx1"/>
+                </a:solidFill>
+                <a:effectLst/>
+                <a:latin typeface="Times New Roman" panose="02020603050405020304" pitchFamily="18" charset="0"/>
+                <a:cs typeface="Times New Roman" panose="02020603050405020304" pitchFamily="18" charset="0"/>
               </a:rPr>
-              <a:t>Algorithm Selection:</a:t>
-            </a:r>
-            <a:endParaRPr lang="en-IN" sz="1500">
-              <a:latin typeface="Franklin Gothic Book"/>
-            </a:endParaRPr>
-          </a:p>
-          <a:p>
-            <a:pPr marL="629920" lvl="1" indent="-305435">
+              <a:t>Preprocessing</a:t>
+            </a:r>
+            <a:r>
+              <a:rPr kumimoji="0" lang="en-US" altLang="en-US" b="0" i="0" u="none" strike="noStrike" cap="none" normalizeH="0" baseline="0" dirty="0">
+                <a:ln>
+                  <a:noFill/>
+                </a:ln>
+                <a:solidFill>
+                  <a:schemeClr val="tx1"/>
+                </a:solidFill>
+                <a:effectLst/>
+                <a:latin typeface="Times New Roman" panose="02020603050405020304" pitchFamily="18" charset="0"/>
+                <a:cs typeface="Times New Roman" panose="02020603050405020304" pitchFamily="18" charset="0"/>
+              </a:rPr>
+              <a:t>: TF-IDF Vectorizer</a:t>
+            </a:r>
+          </a:p>
+          <a:p>
+            <a:pPr marL="457200" lvl="1" indent="0" eaLnBrk="0" fontAlgn="base" hangingPunct="0">
+              <a:lnSpc>
+                <a:spcPct val="100000"/>
+              </a:lnSpc>
               <a:spcBef>
-                <a:spcPct val="20000"/>
+                <a:spcPct val="0"/>
               </a:spcBef>
               <a:spcAft>
-                <a:spcPts val="600"/>
+                <a:spcPct val="0"/>
               </a:spcAft>
-              <a:buFont typeface="Arial"/>
+              <a:buFontTx/>
               <a:buChar char="•"/>
             </a:pPr>
             <a:r>
-              <a:rPr lang="en-IN" sz="1500">
-                <a:latin typeface="Franklin Gothic Book"/>
+              <a:rPr kumimoji="0" lang="en-US" altLang="en-US" b="1" i="0" u="none" strike="noStrike" cap="none" normalizeH="0" baseline="0" dirty="0">
+                <a:ln>
+                  <a:noFill/>
+                </a:ln>
+                <a:solidFill>
+                  <a:schemeClr val="tx1"/>
+                </a:solidFill>
+                <a:effectLst/>
+                <a:latin typeface="Times New Roman" panose="02020603050405020304" pitchFamily="18" charset="0"/>
+                <a:cs typeface="Times New Roman" panose="02020603050405020304" pitchFamily="18" charset="0"/>
               </a:rPr>
-              <a:t>Provide a brief overview of the chosen algorithm (e.g., time-series forecasting model, like ARIMA or LSTM) and justify its selection based on the problem statement and data characteristics.</a:t>
-            </a:r>
-          </a:p>
-          <a:p>
-            <a:pPr marL="305435" indent="-305435">
+              <a:t>Model Training</a:t>
+            </a:r>
+            <a:r>
+              <a:rPr kumimoji="0" lang="en-US" altLang="en-US" b="0" i="0" u="none" strike="noStrike" cap="none" normalizeH="0" baseline="0" dirty="0">
+                <a:ln>
+                  <a:noFill/>
+                </a:ln>
+                <a:solidFill>
+                  <a:schemeClr val="tx1"/>
+                </a:solidFill>
+                <a:effectLst/>
+                <a:latin typeface="Times New Roman" panose="02020603050405020304" pitchFamily="18" charset="0"/>
+                <a:cs typeface="Times New Roman" panose="02020603050405020304" pitchFamily="18" charset="0"/>
+              </a:rPr>
+              <a:t>: Trained on labeled emotional text samples</a:t>
+            </a:r>
+          </a:p>
+          <a:p>
+            <a:pPr marL="0" marR="0" lvl="0" indent="0" algn="l" defTabSz="914400" rtl="0" eaLnBrk="0" fontAlgn="base" latinLnBrk="0" hangingPunct="0">
+              <a:lnSpc>
+                <a:spcPct val="100000"/>
+              </a:lnSpc>
               <a:spcBef>
-                <a:spcPct val="20000"/>
+                <a:spcPct val="0"/>
               </a:spcBef>
               <a:spcAft>
-                <a:spcPts val="600"/>
+                <a:spcPct val="0"/>
               </a:spcAft>
-              <a:buFont typeface="Arial"/>
+              <a:buClrTx/>
+              <a:buSzTx/>
+              <a:buFontTx/>
               <a:buChar char="•"/>
+              <a:tabLst/>
             </a:pPr>
-            <a:r>
-              <a:rPr lang="en-IN" sz="1500" b="1">
-                <a:latin typeface="Franklin Gothic Book"/>
-              </a:rPr>
-              <a:t>Data Input:</a:t>
-            </a:r>
-            <a:endParaRPr lang="en-IN" sz="1500">
-              <a:latin typeface="Franklin Gothic Book"/>
+            <a:endParaRPr kumimoji="0" lang="en-US" altLang="en-US" b="1" i="0" u="none" strike="noStrike" cap="none" normalizeH="0" baseline="0" dirty="0">
+              <a:ln>
+                <a:noFill/>
+              </a:ln>
+              <a:solidFill>
+                <a:schemeClr val="tx1"/>
+              </a:solidFill>
+              <a:effectLst/>
+              <a:latin typeface="Times New Roman" panose="02020603050405020304" pitchFamily="18" charset="0"/>
+              <a:cs typeface="Times New Roman" panose="02020603050405020304" pitchFamily="18" charset="0"/>
             </a:endParaRPr>
           </a:p>
           <a:p>
-            <a:pPr marL="629920" lvl="1" indent="-305435">
+            <a:pPr marL="0" marR="0" lvl="0" indent="0" algn="l" defTabSz="914400" rtl="0" eaLnBrk="0" fontAlgn="base" latinLnBrk="0" hangingPunct="0">
+              <a:lnSpc>
+                <a:spcPct val="100000"/>
+              </a:lnSpc>
               <a:spcBef>
-                <a:spcPct val="20000"/>
+                <a:spcPct val="0"/>
               </a:spcBef>
               <a:spcAft>
-                <a:spcPts val="600"/>
+                <a:spcPct val="0"/>
               </a:spcAft>
-              <a:buFont typeface="Arial"/>
+              <a:buClrTx/>
+              <a:buSzTx/>
+              <a:buFontTx/>
               <a:buChar char="•"/>
+              <a:tabLst/>
             </a:pPr>
             <a:r>
-              <a:rPr lang="en-IN" sz="1500">
-                <a:latin typeface="Franklin Gothic Book"/>
+              <a:rPr kumimoji="0" lang="en-US" altLang="en-US" b="1" i="0" u="none" strike="noStrike" cap="none" normalizeH="0" baseline="0" dirty="0">
+                <a:ln>
+                  <a:noFill/>
+                </a:ln>
+                <a:solidFill>
+                  <a:schemeClr val="tx1"/>
+                </a:solidFill>
+                <a:effectLst/>
+                <a:latin typeface="Times New Roman" panose="02020603050405020304" pitchFamily="18" charset="0"/>
+                <a:cs typeface="Times New Roman" panose="02020603050405020304" pitchFamily="18" charset="0"/>
               </a:rPr>
-              <a:t>Specify the input features used by the algorithm, such as historical bike rental data, weather conditions, day of the week, and any other relevant factors.</a:t>
-            </a:r>
-          </a:p>
-          <a:p>
-            <a:pPr marL="305435" indent="-305435">
+              <a:t>Deployment</a:t>
+            </a:r>
+            <a:r>
+              <a:rPr kumimoji="0" lang="en-US" altLang="en-US" b="0" i="0" u="none" strike="noStrike" cap="none" normalizeH="0" baseline="0" dirty="0">
+                <a:ln>
+                  <a:noFill/>
+                </a:ln>
+                <a:solidFill>
+                  <a:schemeClr val="tx1"/>
+                </a:solidFill>
+                <a:effectLst/>
+                <a:latin typeface="Times New Roman" panose="02020603050405020304" pitchFamily="18" charset="0"/>
+                <a:cs typeface="Times New Roman" panose="02020603050405020304" pitchFamily="18" charset="0"/>
+              </a:rPr>
+              <a:t>:</a:t>
+            </a:r>
+          </a:p>
+          <a:p>
+            <a:pPr marL="457200" marR="0" lvl="1" indent="0" algn="l" defTabSz="914400" rtl="0" eaLnBrk="0" fontAlgn="base" latinLnBrk="0" hangingPunct="0">
+              <a:lnSpc>
+                <a:spcPct val="100000"/>
+              </a:lnSpc>
               <a:spcBef>
-                <a:spcPct val="20000"/>
+                <a:spcPct val="0"/>
               </a:spcBef>
               <a:spcAft>
-                <a:spcPts val="600"/>
+                <a:spcPct val="0"/>
               </a:spcAft>
-              <a:buFont typeface="Arial"/>
+              <a:buClrTx/>
+              <a:buSzTx/>
+              <a:buFontTx/>
               <a:buChar char="•"/>
+              <a:tabLst/>
             </a:pPr>
             <a:r>
-              <a:rPr lang="en-IN" sz="1500" b="1">
-                <a:latin typeface="Franklin Gothic Book"/>
+              <a:rPr kumimoji="0" lang="en-US" altLang="en-US" sz="2800" b="0" i="0" u="none" strike="noStrike" cap="none" normalizeH="0" baseline="0" dirty="0" err="1">
+                <a:ln>
+                  <a:noFill/>
+                </a:ln>
+                <a:solidFill>
+                  <a:schemeClr val="tx1"/>
+                </a:solidFill>
+                <a:effectLst/>
+                <a:latin typeface="Times New Roman" panose="02020603050405020304" pitchFamily="18" charset="0"/>
+                <a:cs typeface="Times New Roman" panose="02020603050405020304" pitchFamily="18" charset="0"/>
               </a:rPr>
-              <a:t>Training Process:</a:t>
-            </a:r>
-            <a:endParaRPr lang="en-IN" sz="1500">
-              <a:latin typeface="Franklin Gothic Book"/>
+              <a:t>gr.Interface</a:t>
+            </a:r>
+            <a:r>
+              <a:rPr kumimoji="0" lang="en-US" altLang="en-US" sz="2800" b="0" i="0" u="none" strike="noStrike" cap="none" normalizeH="0" baseline="0" dirty="0">
+                <a:ln>
+                  <a:noFill/>
+                </a:ln>
+                <a:solidFill>
+                  <a:schemeClr val="tx1"/>
+                </a:solidFill>
+                <a:effectLst/>
+                <a:latin typeface="Times New Roman" panose="02020603050405020304" pitchFamily="18" charset="0"/>
+                <a:cs typeface="Times New Roman" panose="02020603050405020304" pitchFamily="18" charset="0"/>
+              </a:rPr>
+              <a:t>() from </a:t>
+            </a:r>
+            <a:r>
+              <a:rPr kumimoji="0" lang="en-US" altLang="en-US" sz="2800" b="0" i="0" u="none" strike="noStrike" cap="none" normalizeH="0" baseline="0" dirty="0" err="1">
+                <a:ln>
+                  <a:noFill/>
+                </a:ln>
+                <a:solidFill>
+                  <a:schemeClr val="tx1"/>
+                </a:solidFill>
+                <a:effectLst/>
+                <a:latin typeface="Times New Roman" panose="02020603050405020304" pitchFamily="18" charset="0"/>
+                <a:cs typeface="Times New Roman" panose="02020603050405020304" pitchFamily="18" charset="0"/>
+              </a:rPr>
+              <a:t>Gradio</a:t>
+            </a:r>
+            <a:endParaRPr kumimoji="0" lang="en-US" altLang="en-US" sz="2800" b="0" i="0" u="none" strike="noStrike" cap="none" normalizeH="0" baseline="0" dirty="0">
+              <a:ln>
+                <a:noFill/>
+              </a:ln>
+              <a:solidFill>
+                <a:schemeClr val="tx1"/>
+              </a:solidFill>
+              <a:effectLst/>
+              <a:latin typeface="Times New Roman" panose="02020603050405020304" pitchFamily="18" charset="0"/>
+              <a:cs typeface="Times New Roman" panose="02020603050405020304" pitchFamily="18" charset="0"/>
             </a:endParaRPr>
           </a:p>
           <a:p>
-            <a:pPr marL="629920" lvl="1" indent="-305435">
+            <a:pPr marL="457200" marR="0" lvl="1" indent="0" algn="l" defTabSz="914400" rtl="0" eaLnBrk="0" fontAlgn="base" latinLnBrk="0" hangingPunct="0">
+              <a:lnSpc>
+                <a:spcPct val="100000"/>
+              </a:lnSpc>
               <a:spcBef>
-                <a:spcPct val="20000"/>
+                <a:spcPct val="0"/>
               </a:spcBef>
               <a:spcAft>
-                <a:spcPts val="600"/>
+                <a:spcPct val="0"/>
               </a:spcAft>
-              <a:buFont typeface="Arial"/>
+              <a:buClrTx/>
+              <a:buSzTx/>
+              <a:buFontTx/>
               <a:buChar char="•"/>
+              <a:tabLst/>
             </a:pPr>
             <a:r>
-              <a:rPr lang="en-IN" sz="1500">
-                <a:latin typeface="Franklin Gothic Book"/>
+              <a:rPr kumimoji="0" lang="en-US" altLang="en-US" sz="2800" b="0" i="0" u="none" strike="noStrike" cap="none" normalizeH="0" baseline="0" dirty="0">
+                <a:ln>
+                  <a:noFill/>
+                </a:ln>
+                <a:solidFill>
+                  <a:schemeClr val="tx1"/>
+                </a:solidFill>
+                <a:effectLst/>
+                <a:latin typeface="Times New Roman" panose="02020603050405020304" pitchFamily="18" charset="0"/>
+                <a:cs typeface="Times New Roman" panose="02020603050405020304" pitchFamily="18" charset="0"/>
               </a:rPr>
-              <a:t>Explain how the algorithm is trained using historical data. Highlight any specific considerations or techniques employed, such as cross-validation or hyperparameter tuning.</a:t>
-            </a:r>
-          </a:p>
-          <a:p>
-            <a:pPr marL="305435" indent="-305435">
+              <a:t>Handles both audio and text</a:t>
+            </a:r>
+          </a:p>
+          <a:p>
+            <a:pPr marL="457200" marR="0" lvl="1" indent="0" algn="l" defTabSz="914400" rtl="0" eaLnBrk="0" fontAlgn="base" latinLnBrk="0" hangingPunct="0">
+              <a:lnSpc>
+                <a:spcPct val="100000"/>
+              </a:lnSpc>
               <a:spcBef>
-                <a:spcPct val="20000"/>
+                <a:spcPct val="0"/>
               </a:spcBef>
               <a:spcAft>
-                <a:spcPts val="600"/>
+                <a:spcPct val="0"/>
               </a:spcAft>
-              <a:buFont typeface="Arial"/>
+              <a:buClrTx/>
+              <a:buSzTx/>
+              <a:buFontTx/>
               <a:buChar char="•"/>
+              <a:tabLst/>
             </a:pPr>
             <a:r>
-              <a:rPr lang="en-IN" sz="1500" b="1">
-                <a:latin typeface="Franklin Gothic Book"/>
+              <a:rPr kumimoji="0" lang="en-US" altLang="en-US" sz="2800" b="0" i="0" u="none" strike="noStrike" cap="none" normalizeH="0" baseline="0" dirty="0">
+                <a:ln>
+                  <a:noFill/>
+                </a:ln>
+                <a:solidFill>
+                  <a:schemeClr val="tx1"/>
+                </a:solidFill>
+                <a:effectLst/>
+                <a:latin typeface="Times New Roman" panose="02020603050405020304" pitchFamily="18" charset="0"/>
+                <a:cs typeface="Times New Roman" panose="02020603050405020304" pitchFamily="18" charset="0"/>
               </a:rPr>
-              <a:t>Prediction Process:</a:t>
-            </a:r>
-            <a:endParaRPr lang="en-IN" sz="1500">
-              <a:latin typeface="Franklin Gothic Book"/>
-            </a:endParaRPr>
-          </a:p>
-          <a:p>
-            <a:pPr marL="629920" lvl="1" indent="-305435">
+              <a:t>Local web app for demo</a:t>
+            </a:r>
+          </a:p>
+          <a:p>
+            <a:pPr marL="0" marR="0" lvl="0" indent="0" algn="l" defTabSz="914400" rtl="0" eaLnBrk="0" fontAlgn="base" latinLnBrk="0" hangingPunct="0">
+              <a:lnSpc>
+                <a:spcPct val="100000"/>
+              </a:lnSpc>
               <a:spcBef>
-                <a:spcPct val="20000"/>
+                <a:spcPct val="0"/>
               </a:spcBef>
               <a:spcAft>
-                <a:spcPts val="600"/>
+                <a:spcPct val="0"/>
               </a:spcAft>
-              <a:buFont typeface="Arial"/>
-              <a:buChar char="•"/>
+              <a:buClrTx/>
+              <a:buSzTx/>
+              <a:buFontTx/>
+              <a:buNone/>
+              <a:tabLst/>
             </a:pPr>
-            <a:r>
-              <a:rPr lang="en-IN" sz="1500">
-                <a:latin typeface="Franklin Gothic Book"/>
-              </a:rPr>
-              <a:t>Detail how the trained algorithm makes predictions for future bike counts. Discuss any real-time data inputs considered during the prediction phase.</a:t>
-            </a:r>
-            <a:endParaRPr lang="en-GB" sz="1500"/>
+            <a:endParaRPr kumimoji="0" lang="en-US" altLang="en-US" sz="1800" b="0" i="0" u="none" strike="noStrike" cap="none" normalizeH="0" baseline="0" dirty="0">
+              <a:ln>
+                <a:noFill/>
+              </a:ln>
+              <a:solidFill>
+                <a:schemeClr val="tx1"/>
+              </a:solidFill>
+              <a:effectLst/>
+              <a:latin typeface="Arial" panose="020B0604020202020204" pitchFamily="34" charset="0"/>
+            </a:endParaRPr>
           </a:p>
         </p:txBody>
       </p:sp>
@@ -10478,45 +11050,357 @@
       </p:sp>
       <p:sp>
         <p:nvSpPr>
-          <p:cNvPr id="3" name="Content Placeholder 2">
+          <p:cNvPr id="4" name="Rectangle 1">
             <a:extLst>
               <a:ext uri="{FF2B5EF4-FFF2-40B4-BE49-F238E27FC236}">
-                <a16:creationId xmlns:a16="http://schemas.microsoft.com/office/drawing/2014/main" id="{66102C9B-C4AF-D0DB-DE74-862D9812001C}"/>
+                <a16:creationId xmlns:a16="http://schemas.microsoft.com/office/drawing/2014/main" id="{0426BEA6-3B9E-D63A-63C2-F666F9DAA055}"/>
               </a:ext>
             </a:extLst>
           </p:cNvPr>
           <p:cNvSpPr>
-            <a:spLocks noGrp="1"/>
+            <a:spLocks noGrp="1" noChangeArrowheads="1"/>
           </p:cNvSpPr>
           <p:nvPr>
             <p:ph idx="1"/>
           </p:nvPr>
         </p:nvSpPr>
+        <p:spPr bwMode="auto">
+          <a:xfrm>
+            <a:off x="335782" y="1736845"/>
+            <a:ext cx="8340858" cy="1631216"/>
+          </a:xfrm>
+          <a:prstGeom prst="rect">
+            <a:avLst/>
+          </a:prstGeom>
+          <a:noFill/>
+          <a:ln>
+            <a:noFill/>
+          </a:ln>
+          <a:effectLst/>
+          <a:extLst>
+            <a:ext uri="{909E8E84-426E-40DD-AFC4-6F175D3DCCD1}">
+              <a14:hiddenFill xmlns:a14="http://schemas.microsoft.com/office/drawing/2010/main">
+                <a:solidFill>
+                  <a:schemeClr val="accent1"/>
+                </a:solidFill>
+              </a14:hiddenFill>
+            </a:ext>
+            <a:ext uri="{91240B29-F687-4F45-9708-019B960494DF}">
+              <a14:hiddenLine xmlns:a14="http://schemas.microsoft.com/office/drawing/2010/main" w="9525">
+                <a:solidFill>
+                  <a:schemeClr val="tx1"/>
+                </a:solidFill>
+                <a:miter lim="800000"/>
+                <a:headEnd/>
+                <a:tailEnd/>
+              </a14:hiddenLine>
+            </a:ext>
+            <a:ext uri="{AF507438-7753-43E0-B8FC-AC1667EBCBE1}">
+              <a14:hiddenEffects xmlns:a14="http://schemas.microsoft.com/office/drawing/2010/main">
+                <a:effectLst>
+                  <a:outerShdw dist="35921" dir="2700000" algn="ctr" rotWithShape="0">
+                    <a:schemeClr val="bg2"/>
+                  </a:outerShdw>
+                </a:effectLst>
+              </a14:hiddenEffects>
+            </a:ext>
+          </a:extLst>
+        </p:spPr>
+        <p:txBody>
+          <a:bodyPr vert="horz" wrap="square" lIns="91440" tIns="45720" rIns="91440" bIns="45720" numCol="1" anchor="ctr" anchorCtr="0" compatLnSpc="1">
+            <a:prstTxWarp prst="textNoShape">
+              <a:avLst/>
+            </a:prstTxWarp>
+            <a:spAutoFit/>
+          </a:bodyPr>
+          <a:lstStyle/>
+          <a:p>
+            <a:pPr marL="0" marR="0" lvl="0" indent="0" algn="l" defTabSz="914400" rtl="0" eaLnBrk="0" fontAlgn="base" latinLnBrk="0" hangingPunct="0">
+              <a:lnSpc>
+                <a:spcPct val="100000"/>
+              </a:lnSpc>
+              <a:spcBef>
+                <a:spcPct val="0"/>
+              </a:spcBef>
+              <a:spcAft>
+                <a:spcPct val="0"/>
+              </a:spcAft>
+              <a:buClrTx/>
+              <a:buSzTx/>
+              <a:buFontTx/>
+              <a:buNone/>
+              <a:tabLst/>
+            </a:pPr>
+            <a:r>
+              <a:rPr kumimoji="0" lang="en-US" altLang="en-US" sz="2000" b="1" i="0" u="none" strike="noStrike" cap="none" normalizeH="0" baseline="0" dirty="0">
+                <a:ln>
+                  <a:noFill/>
+                </a:ln>
+                <a:solidFill>
+                  <a:schemeClr val="tx1"/>
+                </a:solidFill>
+                <a:effectLst/>
+                <a:latin typeface="Times New Roman" panose="02020603050405020304" pitchFamily="18" charset="0"/>
+                <a:cs typeface="Times New Roman" panose="02020603050405020304" pitchFamily="18" charset="0"/>
+              </a:rPr>
+              <a:t>Result</a:t>
+            </a:r>
+            <a:r>
+              <a:rPr kumimoji="0" lang="en-US" altLang="en-US" sz="2000" b="0" i="0" u="none" strike="noStrike" cap="none" normalizeH="0" baseline="0" dirty="0">
+                <a:ln>
+                  <a:noFill/>
+                </a:ln>
+                <a:solidFill>
+                  <a:schemeClr val="tx1"/>
+                </a:solidFill>
+                <a:effectLst/>
+                <a:latin typeface="Times New Roman" panose="02020603050405020304" pitchFamily="18" charset="0"/>
+                <a:cs typeface="Times New Roman" panose="02020603050405020304" pitchFamily="18" charset="0"/>
+              </a:rPr>
+              <a:t>:</a:t>
+            </a:r>
+          </a:p>
+          <a:p>
+            <a:pPr marL="0" marR="0" lvl="0" indent="0" algn="l" defTabSz="914400" rtl="0" eaLnBrk="0" fontAlgn="base" latinLnBrk="0" hangingPunct="0">
+              <a:lnSpc>
+                <a:spcPct val="100000"/>
+              </a:lnSpc>
+              <a:spcBef>
+                <a:spcPct val="0"/>
+              </a:spcBef>
+              <a:spcAft>
+                <a:spcPct val="0"/>
+              </a:spcAft>
+              <a:buClrTx/>
+              <a:buSzTx/>
+              <a:buFontTx/>
+              <a:buChar char="•"/>
+              <a:tabLst/>
+            </a:pPr>
+            <a:r>
+              <a:rPr kumimoji="0" lang="en-US" altLang="en-US" sz="2000" b="0" i="0" u="none" strike="noStrike" cap="none" normalizeH="0" baseline="0" dirty="0">
+                <a:ln>
+                  <a:noFill/>
+                </a:ln>
+                <a:solidFill>
+                  <a:schemeClr val="tx1"/>
+                </a:solidFill>
+                <a:effectLst/>
+                <a:latin typeface="Times New Roman" panose="02020603050405020304" pitchFamily="18" charset="0"/>
+                <a:cs typeface="Times New Roman" panose="02020603050405020304" pitchFamily="18" charset="0"/>
+              </a:rPr>
+              <a:t>Detects emotions from:</a:t>
+            </a:r>
+          </a:p>
+          <a:p>
+            <a:pPr marL="457200" marR="0" lvl="1" indent="0" algn="l" defTabSz="914400" rtl="0" eaLnBrk="0" fontAlgn="base" latinLnBrk="0" hangingPunct="0">
+              <a:lnSpc>
+                <a:spcPct val="100000"/>
+              </a:lnSpc>
+              <a:spcBef>
+                <a:spcPct val="0"/>
+              </a:spcBef>
+              <a:spcAft>
+                <a:spcPct val="0"/>
+              </a:spcAft>
+              <a:buClrTx/>
+              <a:buSzTx/>
+              <a:buFontTx/>
+              <a:buChar char="•"/>
+              <a:tabLst/>
+            </a:pPr>
+            <a:r>
+              <a:rPr kumimoji="0" lang="en-US" altLang="en-US" sz="2000" b="0" i="0" u="none" strike="noStrike" cap="none" normalizeH="0" baseline="0" dirty="0">
+                <a:ln>
+                  <a:noFill/>
+                </a:ln>
+                <a:solidFill>
+                  <a:schemeClr val="tx1"/>
+                </a:solidFill>
+                <a:effectLst/>
+                <a:latin typeface="Times New Roman" panose="02020603050405020304" pitchFamily="18" charset="0"/>
+                <a:cs typeface="Times New Roman" panose="02020603050405020304" pitchFamily="18" charset="0"/>
+              </a:rPr>
+              <a:t>✅ Text input (e.g., </a:t>
+            </a:r>
+            <a:r>
+              <a:rPr kumimoji="0" lang="en-US" altLang="en-US" sz="2000" b="0" i="1" u="none" strike="noStrike" cap="none" normalizeH="0" baseline="0" dirty="0">
+                <a:ln>
+                  <a:noFill/>
+                </a:ln>
+                <a:solidFill>
+                  <a:schemeClr val="tx1"/>
+                </a:solidFill>
+                <a:effectLst/>
+                <a:latin typeface="Times New Roman" panose="02020603050405020304" pitchFamily="18" charset="0"/>
+                <a:cs typeface="Times New Roman" panose="02020603050405020304" pitchFamily="18" charset="0"/>
+              </a:rPr>
+              <a:t>"I am so happy"</a:t>
+            </a:r>
+            <a:r>
+              <a:rPr kumimoji="0" lang="en-US" altLang="en-US" sz="2000" b="0" i="0" u="none" strike="noStrike" cap="none" normalizeH="0" baseline="0" dirty="0">
+                <a:ln>
+                  <a:noFill/>
+                </a:ln>
+                <a:solidFill>
+                  <a:schemeClr val="tx1"/>
+                </a:solidFill>
+                <a:effectLst/>
+                <a:latin typeface="Times New Roman" panose="02020603050405020304" pitchFamily="18" charset="0"/>
+                <a:cs typeface="Times New Roman" panose="02020603050405020304" pitchFamily="18" charset="0"/>
+              </a:rPr>
+              <a:t>) → happy</a:t>
+            </a:r>
+          </a:p>
+          <a:p>
+            <a:pPr marL="457200" marR="0" lvl="1" indent="0" algn="l" defTabSz="914400" rtl="0" eaLnBrk="0" fontAlgn="base" latinLnBrk="0" hangingPunct="0">
+              <a:lnSpc>
+                <a:spcPct val="100000"/>
+              </a:lnSpc>
+              <a:spcBef>
+                <a:spcPct val="0"/>
+              </a:spcBef>
+              <a:spcAft>
+                <a:spcPct val="0"/>
+              </a:spcAft>
+              <a:buClrTx/>
+              <a:buSzTx/>
+              <a:buFontTx/>
+              <a:buChar char="•"/>
+              <a:tabLst/>
+            </a:pPr>
+            <a:r>
+              <a:rPr kumimoji="0" lang="en-US" altLang="en-US" sz="2000" b="0" i="0" u="none" strike="noStrike" cap="none" normalizeH="0" baseline="0" dirty="0">
+                <a:ln>
+                  <a:noFill/>
+                </a:ln>
+                <a:solidFill>
+                  <a:schemeClr val="tx1"/>
+                </a:solidFill>
+                <a:effectLst/>
+                <a:latin typeface="Times New Roman" panose="02020603050405020304" pitchFamily="18" charset="0"/>
+                <a:cs typeface="Times New Roman" panose="02020603050405020304" pitchFamily="18" charset="0"/>
+              </a:rPr>
+              <a:t>✅ Audio input (e.g., </a:t>
+            </a:r>
+            <a:r>
+              <a:rPr kumimoji="0" lang="en-US" altLang="en-US" sz="2000" b="0" i="1" u="none" strike="noStrike" cap="none" normalizeH="0" baseline="0" dirty="0">
+                <a:ln>
+                  <a:noFill/>
+                </a:ln>
+                <a:solidFill>
+                  <a:schemeClr val="tx1"/>
+                </a:solidFill>
+                <a:effectLst/>
+                <a:latin typeface="Times New Roman" panose="02020603050405020304" pitchFamily="18" charset="0"/>
+                <a:cs typeface="Times New Roman" panose="02020603050405020304" pitchFamily="18" charset="0"/>
+              </a:rPr>
+              <a:t>.wav file with voice saying "I'm sad"</a:t>
+            </a:r>
+            <a:r>
+              <a:rPr kumimoji="0" lang="en-US" altLang="en-US" sz="2000" b="0" i="0" u="none" strike="noStrike" cap="none" normalizeH="0" baseline="0" dirty="0">
+                <a:ln>
+                  <a:noFill/>
+                </a:ln>
+                <a:solidFill>
+                  <a:schemeClr val="tx1"/>
+                </a:solidFill>
+                <a:effectLst/>
+                <a:latin typeface="Times New Roman" panose="02020603050405020304" pitchFamily="18" charset="0"/>
+                <a:cs typeface="Times New Roman" panose="02020603050405020304" pitchFamily="18" charset="0"/>
+              </a:rPr>
+              <a:t>) → sad</a:t>
+            </a:r>
+          </a:p>
+          <a:p>
+            <a:pPr marL="0" marR="0" lvl="0" indent="0" algn="l" defTabSz="914400" rtl="0" eaLnBrk="0" fontAlgn="base" latinLnBrk="0" hangingPunct="0">
+              <a:lnSpc>
+                <a:spcPct val="100000"/>
+              </a:lnSpc>
+              <a:spcBef>
+                <a:spcPct val="0"/>
+              </a:spcBef>
+              <a:spcAft>
+                <a:spcPct val="0"/>
+              </a:spcAft>
+              <a:buClrTx/>
+              <a:buSzTx/>
+              <a:buFontTx/>
+              <a:buChar char="•"/>
+              <a:tabLst/>
+            </a:pPr>
+            <a:r>
+              <a:rPr kumimoji="0" lang="en-US" altLang="en-US" sz="2000" b="0" i="0" u="none" strike="noStrike" cap="none" normalizeH="0" baseline="0" dirty="0">
+                <a:ln>
+                  <a:noFill/>
+                </a:ln>
+                <a:solidFill>
+                  <a:schemeClr val="tx1"/>
+                </a:solidFill>
+                <a:effectLst/>
+                <a:latin typeface="Times New Roman" panose="02020603050405020304" pitchFamily="18" charset="0"/>
+                <a:cs typeface="Times New Roman" panose="02020603050405020304" pitchFamily="18" charset="0"/>
+              </a:rPr>
+              <a:t>UI built with </a:t>
+            </a:r>
+            <a:r>
+              <a:rPr kumimoji="0" lang="en-US" altLang="en-US" sz="2000" b="0" i="0" u="none" strike="noStrike" cap="none" normalizeH="0" baseline="0" dirty="0" err="1">
+                <a:ln>
+                  <a:noFill/>
+                </a:ln>
+                <a:solidFill>
+                  <a:schemeClr val="tx1"/>
+                </a:solidFill>
+                <a:effectLst/>
+                <a:latin typeface="Times New Roman" panose="02020603050405020304" pitchFamily="18" charset="0"/>
+                <a:cs typeface="Times New Roman" panose="02020603050405020304" pitchFamily="18" charset="0"/>
+              </a:rPr>
+              <a:t>Gradio</a:t>
+            </a:r>
+            <a:endParaRPr kumimoji="0" lang="en-US" altLang="en-US" sz="2000" b="0" i="0" u="none" strike="noStrike" cap="none" normalizeH="0" baseline="0" dirty="0">
+              <a:ln>
+                <a:noFill/>
+              </a:ln>
+              <a:solidFill>
+                <a:schemeClr val="tx1"/>
+              </a:solidFill>
+              <a:effectLst/>
+              <a:latin typeface="Times New Roman" panose="02020603050405020304" pitchFamily="18" charset="0"/>
+              <a:cs typeface="Times New Roman" panose="02020603050405020304" pitchFamily="18" charset="0"/>
+            </a:endParaRPr>
+          </a:p>
+        </p:txBody>
+      </p:sp>
+      <p:pic>
+        <p:nvPicPr>
+          <p:cNvPr id="6" name="Picture 5">
+            <a:extLst>
+              <a:ext uri="{FF2B5EF4-FFF2-40B4-BE49-F238E27FC236}">
+                <a16:creationId xmlns:a16="http://schemas.microsoft.com/office/drawing/2014/main" id="{200D12CB-41CD-F6A4-1497-69E618DBF003}"/>
+              </a:ext>
+            </a:extLst>
+          </p:cNvPr>
+          <p:cNvPicPr>
+            <a:picLocks noChangeAspect="1"/>
+          </p:cNvPicPr>
+          <p:nvPr/>
+        </p:nvPicPr>
+        <p:blipFill>
+          <a:blip r:embed="rId2"/>
+          <a:stretch>
+            <a:fillRect/>
+          </a:stretch>
+        </p:blipFill>
         <p:spPr>
           <a:xfrm>
-            <a:off x="838200" y="1929384"/>
-            <a:ext cx="10515600" cy="4251960"/>
+            <a:off x="335782" y="3337058"/>
+            <a:ext cx="11187182" cy="3394949"/>
           </a:xfrm>
+          <a:prstGeom prst="rect">
+            <a:avLst/>
+          </a:prstGeom>
         </p:spPr>
-        <p:txBody>
-          <a:bodyPr vert="horz" lIns="91440" tIns="45720" rIns="91440" bIns="45720" rtlCol="0">
-            <a:normAutofit/>
-          </a:bodyPr>
-          <a:lstStyle/>
-          <a:p>
-            <a:pPr marL="0" indent="0">
-              <a:buNone/>
-            </a:pPr>
-            <a:r>
-              <a:rPr lang="en-IN" sz="2200">
-                <a:latin typeface="Franklin Gothic Book"/>
-              </a:rPr>
-              <a:t>Present the results of the machine learning model in terms of its accuracy and effectiveness in predicting bike counts. Include visualizations and comparisons between predicted and actual counts to highlight the model's performance.</a:t>
-            </a:r>
-            <a:endParaRPr lang="en-US" sz="2200"/>
-          </a:p>
-        </p:txBody>
-      </p:sp>
+      </p:pic>
     </p:spTree>
     <p:extLst>
       <p:ext uri="{BB962C8B-B14F-4D97-AF65-F5344CB8AC3E}">
@@ -11324,12 +12208,16 @@
               <a:buNone/>
             </a:pPr>
             <a:r>
-              <a:rPr lang="en-IN" sz="2200">
-                <a:latin typeface="Franklin Gothic Book"/>
+              <a:rPr lang="en-US" dirty="0">
+                <a:latin typeface="Times New Roman" panose="02020603050405020304" pitchFamily="18" charset="0"/>
+                <a:cs typeface="Times New Roman" panose="02020603050405020304" pitchFamily="18" charset="0"/>
               </a:rPr>
-              <a:t>Summarize the findings and discuss the effectiveness of the proposed solution. Highlight any challenges encountered during the implementation and potential improvements. Emphasize the importance of accurate bike count predictions for ensuring a stable supply of rental bikes in urban areas.</a:t>
-            </a:r>
-            <a:endParaRPr lang="en-US" sz="2200"/>
+              <a:t>This project successfully demonstrates an AI-powered solution for detecting emotions from both text and voice. It combines ML, NLP, and speech recognition in a single user-friendly tool. The model performs well on basic emotion classification and opens doors for integration into mental health support systems, smart assistants, and more.</a:t>
+            </a:r>
+            <a:endParaRPr lang="en-US" sz="2400" dirty="0">
+              <a:latin typeface="Times New Roman" panose="02020603050405020304" pitchFamily="18" charset="0"/>
+              <a:cs typeface="Times New Roman" panose="02020603050405020304" pitchFamily="18" charset="0"/>
+            </a:endParaRPr>
           </a:p>
         </p:txBody>
       </p:sp>
@@ -12136,42 +13024,72 @@
           </a:bodyPr>
           <a:lstStyle/>
           <a:p>
-            <a:pPr marL="0" indent="0">
-              <a:spcBef>
-                <a:spcPct val="20000"/>
-              </a:spcBef>
-              <a:spcAft>
-                <a:spcPts val="600"/>
-              </a:spcAft>
-              <a:buNone/>
-            </a:pPr>
-            <a:endParaRPr lang="en-US" sz="2200">
-              <a:latin typeface="Franklin Gothic Book"/>
-            </a:endParaRPr>
-          </a:p>
-          <a:p>
-            <a:pPr marL="0" indent="0">
-              <a:spcBef>
-                <a:spcPct val="20000"/>
-              </a:spcBef>
-              <a:spcAft>
-                <a:spcPts val="600"/>
-              </a:spcAft>
-              <a:buNone/>
-            </a:pPr>
-            <a:r>
-              <a:rPr lang="en-US" sz="2200">
-                <a:latin typeface="Franklin Gothic Book"/>
+            <a:r>
+              <a:rPr lang="en-IN" dirty="0">
+                <a:latin typeface="Times New Roman" panose="02020603050405020304" pitchFamily="18" charset="0"/>
+                <a:cs typeface="Times New Roman" panose="02020603050405020304" pitchFamily="18" charset="0"/>
               </a:rPr>
-              <a:t>Discuss potential enhancements and expansions for the system. This could include incorporating additional data sources, optimizing the algorithm for better performance, and expanding the system to cover multiple cities or regions. Consider the integration of emerging technologies such as edge computing or advanced machine learning techniques.</a:t>
-            </a:r>
-            <a:endParaRPr lang="en-GB" sz="2200"/>
+              <a:t>Use advanced models (e.g., Transformers or LSTM) for better accuracy</a:t>
+            </a:r>
+          </a:p>
+          <a:p>
+            <a:r>
+              <a:rPr lang="en-IN" dirty="0">
+                <a:latin typeface="Times New Roman" panose="02020603050405020304" pitchFamily="18" charset="0"/>
+                <a:cs typeface="Times New Roman" panose="02020603050405020304" pitchFamily="18" charset="0"/>
+              </a:rPr>
+              <a:t>Add support for multiple languages</a:t>
+            </a:r>
+          </a:p>
+          <a:p>
+            <a:r>
+              <a:rPr lang="en-IN" dirty="0">
+                <a:latin typeface="Times New Roman" panose="02020603050405020304" pitchFamily="18" charset="0"/>
+                <a:cs typeface="Times New Roman" panose="02020603050405020304" pitchFamily="18" charset="0"/>
+              </a:rPr>
+              <a:t>Train with larger real-world datasets</a:t>
+            </a:r>
+          </a:p>
+          <a:p>
+            <a:r>
+              <a:rPr lang="en-IN" dirty="0">
+                <a:latin typeface="Times New Roman" panose="02020603050405020304" pitchFamily="18" charset="0"/>
+                <a:cs typeface="Times New Roman" panose="02020603050405020304" pitchFamily="18" charset="0"/>
+              </a:rPr>
+              <a:t>Deploy to web using </a:t>
+            </a:r>
+            <a:r>
+              <a:rPr lang="en-IN" dirty="0" err="1">
+                <a:latin typeface="Times New Roman" panose="02020603050405020304" pitchFamily="18" charset="0"/>
+                <a:cs typeface="Times New Roman" panose="02020603050405020304" pitchFamily="18" charset="0"/>
+              </a:rPr>
+              <a:t>Streamlit</a:t>
+            </a:r>
+            <a:r>
+              <a:rPr lang="en-IN" dirty="0">
+                <a:latin typeface="Times New Roman" panose="02020603050405020304" pitchFamily="18" charset="0"/>
+                <a:cs typeface="Times New Roman" panose="02020603050405020304" pitchFamily="18" charset="0"/>
+              </a:rPr>
+              <a:t>, Hugging Face, or Flask</a:t>
+            </a:r>
+          </a:p>
+          <a:p>
+            <a:r>
+              <a:rPr lang="en-IN" dirty="0">
+                <a:latin typeface="Times New Roman" panose="02020603050405020304" pitchFamily="18" charset="0"/>
+                <a:cs typeface="Times New Roman" panose="02020603050405020304" pitchFamily="18" charset="0"/>
+              </a:rPr>
+              <a:t>Integrate real-time microphone input &amp; camera-based emotion detection</a:t>
+            </a:r>
           </a:p>
           <a:p>
             <a:pPr marL="0" indent="0">
               <a:buNone/>
             </a:pPr>
-            <a:endParaRPr lang="en-GB" sz="2200"/>
+            <a:endParaRPr lang="en-GB" sz="2400" dirty="0">
+              <a:latin typeface="Times New Roman" panose="02020603050405020304" pitchFamily="18" charset="0"/>
+              <a:cs typeface="Times New Roman" panose="02020603050405020304" pitchFamily="18" charset="0"/>
+            </a:endParaRPr>
           </a:p>
         </p:txBody>
       </p:sp>
